--- a/report/slide.pptx
+++ b/report/slide.pptx
@@ -9,6 +9,18 @@
   </p:sldMasterIdLst>
   <p:sldIdLst>
     <p:sldId id="256" r:id="rId6"/>
+    <p:sldId id="257" r:id="rId7"/>
+    <p:sldId id="258" r:id="rId8"/>
+    <p:sldId id="259" r:id="rId9"/>
+    <p:sldId id="260" r:id="rId10"/>
+    <p:sldId id="261" r:id="rId11"/>
+    <p:sldId id="262" r:id="rId12"/>
+    <p:sldId id="263" r:id="rId13"/>
+    <p:sldId id="264" r:id="rId14"/>
+    <p:sldId id="265" r:id="rId15"/>
+    <p:sldId id="266" r:id="rId16"/>
+    <p:sldId id="267" r:id="rId17"/>
+    <p:sldId id="268" r:id="rId18"/>
   </p:sldIdLst>
   <p:sldSz cx="10080625" cy="7559675"/>
   <p:notesSz cx="7559675" cy="10691812"/>
@@ -5780,7 +5792,7 @@
           </a:bodyPr>
           <a:p>
             <a:pPr algn="r"/>
-            <a:fld id="{27B02887-A325-445B-9B57-BF5EF0945A0E}" type="slidenum">
+            <a:fld id="{6767F15C-2DF6-4257-87DE-81AE2262F287}" type="slidenum">
               <a:rPr b="0" lang="it-IT" sz="1400" spc="-1" strike="noStrike">
                 <a:latin typeface="Times New Roman"/>
               </a:rPr>
@@ -6153,7 +6165,7 @@
           </a:bodyPr>
           <a:p>
             <a:pPr algn="r"/>
-            <a:fld id="{033233B8-DA01-42E1-9951-6ADB324AF3BB}" type="slidenum">
+            <a:fld id="{8516110E-A202-43EE-9E2D-EF875F462A98}" type="slidenum">
               <a:rPr b="0" lang="it-IT" sz="1400" spc="-1" strike="noStrike">
                 <a:latin typeface="Times New Roman"/>
               </a:rPr>
@@ -6526,7 +6538,7 @@
           </a:bodyPr>
           <a:p>
             <a:pPr algn="r"/>
-            <a:fld id="{6FBBAE71-BB5E-4CA4-9F03-B8C4F5048B4E}" type="slidenum">
+            <a:fld id="{EE6A2EE2-0FEE-4C4B-9234-DC06B3562D7A}" type="slidenum">
               <a:rPr b="0" lang="it-IT" sz="1400" spc="-1" strike="noStrike">
                 <a:latin typeface="Times New Roman"/>
               </a:rPr>
@@ -6899,7 +6911,7 @@
           </a:bodyPr>
           <a:p>
             <a:pPr algn="r"/>
-            <a:fld id="{4F302101-B859-4FF5-9671-B89CA6D3AAFB}" type="slidenum">
+            <a:fld id="{FD48AE4A-0816-41BB-9BFD-18937FD5B925}" type="slidenum">
               <a:rPr b="0" lang="it-IT" sz="1400" spc="-1" strike="noStrike">
                 <a:latin typeface="Times New Roman"/>
               </a:rPr>
@@ -6973,12 +6985,2300 @@
           </a:bodyPr>
           <a:p>
             <a:pPr algn="ctr"/>
+            <a:r>
+              <a:rPr b="0" lang="it-IT" sz="4400" spc="-1" strike="noStrike">
+                <a:latin typeface="Arial"/>
+              </a:rPr>
+              <a:t>DATABASE LAB - IT3290E</a:t>
+            </a:r>
             <a:endParaRPr b="0" lang="it-IT" sz="4400" spc="-1" strike="noStrike">
               <a:latin typeface="Arial"/>
             </a:endParaRPr>
           </a:p>
         </p:txBody>
       </p:sp>
+      <p:sp>
+        <p:nvSpPr>
+          <p:cNvPr id="165" name="TextShape 2"/>
+          <p:cNvSpPr txBox="1"/>
+          <p:nvPr/>
+        </p:nvSpPr>
+        <p:spPr>
+          <a:xfrm>
+            <a:off x="1554480" y="3221280"/>
+            <a:ext cx="7040880" cy="1791360"/>
+          </a:xfrm>
+          <a:prstGeom prst="rect">
+            <a:avLst/>
+          </a:prstGeom>
+          <a:noFill/>
+          <a:ln>
+            <a:noFill/>
+          </a:ln>
+        </p:spPr>
+        <p:txBody>
+          <a:bodyPr lIns="90000" rIns="90000" tIns="45000" bIns="45000">
+            <a:noAutofit/>
+          </a:bodyPr>
+          <a:p>
+            <a:pPr algn="ctr"/>
+            <a:r>
+              <a:rPr b="0" lang="it-IT" sz="4000" spc="-1" strike="noStrike">
+                <a:latin typeface="Arial"/>
+              </a:rPr>
+              <a:t>Website Kiểm tra trắc nghiệm môn Toán</a:t>
+            </a:r>
+            <a:endParaRPr b="0" lang="it-IT" sz="4000" spc="-1" strike="noStrike">
+              <a:latin typeface="Arial"/>
+            </a:endParaRPr>
+          </a:p>
+          <a:p>
+            <a:pPr algn="ctr"/>
+            <a:r>
+              <a:rPr b="0" lang="it-IT" sz="4000" spc="-1" strike="noStrike">
+                <a:latin typeface="Arial"/>
+              </a:rPr>
+              <a:t>cho học sinh THPT</a:t>
+            </a:r>
+            <a:endParaRPr b="0" lang="it-IT" sz="4000" spc="-1" strike="noStrike">
+              <a:latin typeface="Arial"/>
+            </a:endParaRPr>
+          </a:p>
+        </p:txBody>
+      </p:sp>
+    </p:spTree>
+  </p:cSld>
+  <mc:AlternateContent>
+    <mc:Choice Requires="p14">
+      <p:transition spd="slow" p14:dur="2000"/>
+    </mc:Choice>
+    <mc:Fallback>
+      <p:transition spd="slow"/>
+    </mc:Fallback>
+  </mc:AlternateContent>
+</p:sld>
+</file>
+
+<file path=ppt/slides/slide10.xml><?xml version="1.0" encoding="utf-8"?>
+<p:sld xmlns:a="http://schemas.openxmlformats.org/drawingml/2006/main" xmlns:p="http://schemas.openxmlformats.org/presentationml/2006/main" xmlns:r="http://schemas.openxmlformats.org/officeDocument/2006/relationships" xmlns:p14="http://schemas.microsoft.com/office/powerpoint/2010/main" xmlns:p15="http://schemas.microsoft.com/office/powerpoint/2012/main" xmlns:mc="http://schemas.openxmlformats.org/markup-compatibility/2006">
+  <p:cSld>
+    <p:spTree>
+      <p:nvGrpSpPr>
+        <p:cNvPr id="1" name=""/>
+        <p:cNvGrpSpPr/>
+        <p:nvPr/>
+      </p:nvGrpSpPr>
+      <p:grpSpPr>
+        <a:xfrm>
+          <a:off x="0" y="0"/>
+          <a:ext cx="0" cy="0"/>
+          <a:chOff x="0" y="0"/>
+          <a:chExt cx="0" cy="0"/>
+        </a:xfrm>
+      </p:grpSpPr>
+      <p:sp>
+        <p:nvSpPr>
+          <p:cNvPr id="187" name="TextShape 1"/>
+          <p:cNvSpPr txBox="1"/>
+          <p:nvPr/>
+        </p:nvSpPr>
+        <p:spPr>
+          <a:xfrm>
+            <a:off x="504000" y="301320"/>
+            <a:ext cx="9071640" cy="922680"/>
+          </a:xfrm>
+          <a:prstGeom prst="rect">
+            <a:avLst/>
+          </a:prstGeom>
+          <a:noFill/>
+          <a:ln>
+            <a:noFill/>
+          </a:ln>
+        </p:spPr>
+        <p:txBody>
+          <a:bodyPr lIns="0" rIns="0" tIns="0" bIns="0" anchor="ctr">
+            <a:noAutofit/>
+          </a:bodyPr>
+          <a:p>
+            <a:pPr algn="ctr"/>
+            <a:r>
+              <a:rPr b="0" lang="it-IT" sz="4400" spc="-1" strike="noStrike">
+                <a:latin typeface="Arial"/>
+              </a:rPr>
+              <a:t>Toàn bộ Cơ sở dữ liệu</a:t>
+            </a:r>
+            <a:endParaRPr b="0" lang="it-IT" sz="4400" spc="-1" strike="noStrike">
+              <a:latin typeface="Arial"/>
+            </a:endParaRPr>
+          </a:p>
+        </p:txBody>
+      </p:sp>
+      <p:pic>
+        <p:nvPicPr>
+          <p:cNvPr id="188" name="" descr=""/>
+          <p:cNvPicPr/>
+          <p:nvPr/>
+        </p:nvPicPr>
+        <p:blipFill>
+          <a:blip r:embed="rId1"/>
+          <a:stretch/>
+        </p:blipFill>
+        <p:spPr>
+          <a:xfrm>
+            <a:off x="2763720" y="1224000"/>
+            <a:ext cx="4570200" cy="6091200"/>
+          </a:xfrm>
+          <a:prstGeom prst="rect">
+            <a:avLst/>
+          </a:prstGeom>
+          <a:ln>
+            <a:noFill/>
+          </a:ln>
+        </p:spPr>
+      </p:pic>
+    </p:spTree>
+  </p:cSld>
+  <mc:AlternateContent>
+    <mc:Choice Requires="p14">
+      <p:transition spd="slow" p14:dur="2000"/>
+    </mc:Choice>
+    <mc:Fallback>
+      <p:transition spd="slow"/>
+    </mc:Fallback>
+  </mc:AlternateContent>
+</p:sld>
+</file>
+
+<file path=ppt/slides/slide11.xml><?xml version="1.0" encoding="utf-8"?>
+<p:sld xmlns:a="http://schemas.openxmlformats.org/drawingml/2006/main" xmlns:p="http://schemas.openxmlformats.org/presentationml/2006/main" xmlns:r="http://schemas.openxmlformats.org/officeDocument/2006/relationships" xmlns:p14="http://schemas.microsoft.com/office/powerpoint/2010/main" xmlns:p15="http://schemas.microsoft.com/office/powerpoint/2012/main" xmlns:mc="http://schemas.openxmlformats.org/markup-compatibility/2006">
+  <p:cSld>
+    <p:spTree>
+      <p:nvGrpSpPr>
+        <p:cNvPr id="1" name=""/>
+        <p:cNvGrpSpPr/>
+        <p:nvPr/>
+      </p:nvGrpSpPr>
+      <p:grpSpPr>
+        <a:xfrm>
+          <a:off x="0" y="0"/>
+          <a:ext cx="0" cy="0"/>
+          <a:chOff x="0" y="0"/>
+          <a:chExt cx="0" cy="0"/>
+        </a:xfrm>
+      </p:grpSpPr>
+      <p:sp>
+        <p:nvSpPr>
+          <p:cNvPr id="189" name="TextShape 1"/>
+          <p:cNvSpPr txBox="1"/>
+          <p:nvPr/>
+        </p:nvSpPr>
+        <p:spPr>
+          <a:xfrm>
+            <a:off x="504000" y="301320"/>
+            <a:ext cx="9071640" cy="922680"/>
+          </a:xfrm>
+          <a:prstGeom prst="rect">
+            <a:avLst/>
+          </a:prstGeom>
+          <a:noFill/>
+          <a:ln>
+            <a:noFill/>
+          </a:ln>
+        </p:spPr>
+        <p:txBody>
+          <a:bodyPr lIns="0" rIns="0" tIns="0" bIns="0" anchor="ctr">
+            <a:noAutofit/>
+          </a:bodyPr>
+          <a:p>
+            <a:pPr algn="ctr"/>
+            <a:r>
+              <a:rPr b="0" lang="it-IT" sz="4400" spc="-1" strike="noStrike">
+                <a:latin typeface="Arial"/>
+              </a:rPr>
+              <a:t>Tóm tắt tính năng</a:t>
+            </a:r>
+            <a:endParaRPr b="0" lang="it-IT" sz="4400" spc="-1" strike="noStrike">
+              <a:latin typeface="Arial"/>
+            </a:endParaRPr>
+          </a:p>
+        </p:txBody>
+      </p:sp>
+      <p:sp>
+        <p:nvSpPr>
+          <p:cNvPr id="190" name="TextShape 2"/>
+          <p:cNvSpPr txBox="1"/>
+          <p:nvPr/>
+        </p:nvSpPr>
+        <p:spPr>
+          <a:xfrm>
+            <a:off x="1828800" y="2926080"/>
+            <a:ext cx="8138160" cy="2905920"/>
+          </a:xfrm>
+          <a:prstGeom prst="rect">
+            <a:avLst/>
+          </a:prstGeom>
+          <a:noFill/>
+          <a:ln>
+            <a:noFill/>
+          </a:ln>
+        </p:spPr>
+        <p:txBody>
+          <a:bodyPr lIns="90000" rIns="90000" tIns="45000" bIns="45000">
+            <a:noAutofit/>
+          </a:bodyPr>
+          <a:p>
+            <a:r>
+              <a:rPr b="0" lang="it-IT" sz="1800" spc="-1" strike="noStrike" u="sng">
+                <a:uFillTx/>
+                <a:latin typeface="Arial"/>
+              </a:rPr>
+              <a:t>* Quản trị viên có thể:</a:t>
+            </a:r>
+            <a:endParaRPr b="0" lang="it-IT" sz="1800" spc="-1" strike="noStrike">
+              <a:latin typeface="Arial"/>
+            </a:endParaRPr>
+          </a:p>
+          <a:p>
+            <a:r>
+              <a:rPr b="0" lang="it-IT" sz="1800" spc="-1" strike="noStrike">
+                <a:latin typeface="Arial"/>
+              </a:rPr>
+              <a:t>	</a:t>
+            </a:r>
+            <a:r>
+              <a:rPr b="0" lang="it-IT" sz="1800" spc="-1" strike="noStrike">
+                <a:latin typeface="Arial"/>
+              </a:rPr>
+              <a:t>→ </a:t>
+            </a:r>
+            <a:r>
+              <a:rPr b="0" lang="it-IT" sz="1800" spc="-1" strike="noStrike">
+                <a:latin typeface="Arial"/>
+              </a:rPr>
+              <a:t>Quản lý người dùng</a:t>
+            </a:r>
+            <a:endParaRPr b="0" lang="it-IT" sz="1800" spc="-1" strike="noStrike">
+              <a:latin typeface="Arial"/>
+            </a:endParaRPr>
+          </a:p>
+          <a:p>
+            <a:r>
+              <a:rPr b="0" lang="it-IT" sz="1800" spc="-1" strike="noStrike">
+                <a:latin typeface="Arial"/>
+              </a:rPr>
+              <a:t>	</a:t>
+            </a:r>
+            <a:r>
+              <a:rPr b="0" lang="it-IT" sz="1800" spc="-1" strike="noStrike">
+                <a:latin typeface="Arial"/>
+              </a:rPr>
+              <a:t>→ </a:t>
+            </a:r>
+            <a:r>
+              <a:rPr b="0" lang="it-IT" sz="1800" spc="-1" strike="noStrike">
+                <a:latin typeface="Arial"/>
+              </a:rPr>
+              <a:t>Phân quyền cho người dùng</a:t>
+            </a:r>
+            <a:endParaRPr b="0" lang="it-IT" sz="1800" spc="-1" strike="noStrike">
+              <a:latin typeface="Arial"/>
+            </a:endParaRPr>
+          </a:p>
+          <a:p>
+            <a:r>
+              <a:rPr b="0" lang="it-IT" sz="1800" spc="-1" strike="noStrike" u="sng">
+                <a:uFillTx/>
+                <a:latin typeface="Arial"/>
+              </a:rPr>
+              <a:t>* Giáo viên có thể:</a:t>
+            </a:r>
+            <a:endParaRPr b="0" lang="it-IT" sz="1800" spc="-1" strike="noStrike">
+              <a:latin typeface="Arial"/>
+            </a:endParaRPr>
+          </a:p>
+          <a:p>
+            <a:r>
+              <a:rPr b="0" lang="it-IT" sz="1800" spc="-1" strike="noStrike">
+                <a:latin typeface="Arial"/>
+              </a:rPr>
+              <a:t>	</a:t>
+            </a:r>
+            <a:r>
+              <a:rPr b="0" lang="it-IT" sz="1800" spc="-1" strike="noStrike">
+                <a:latin typeface="Arial"/>
+              </a:rPr>
+              <a:t>→ </a:t>
+            </a:r>
+            <a:r>
+              <a:rPr b="0" lang="it-IT" sz="1800" spc="-1" strike="noStrike">
+                <a:latin typeface="Arial"/>
+              </a:rPr>
+              <a:t>Quản lý câu hỏi</a:t>
+            </a:r>
+            <a:endParaRPr b="0" lang="it-IT" sz="1800" spc="-1" strike="noStrike">
+              <a:latin typeface="Arial"/>
+            </a:endParaRPr>
+          </a:p>
+          <a:p>
+            <a:r>
+              <a:rPr b="0" lang="it-IT" sz="1800" spc="-1" strike="noStrike">
+                <a:latin typeface="Arial"/>
+              </a:rPr>
+              <a:t>	</a:t>
+            </a:r>
+            <a:r>
+              <a:rPr b="0" lang="it-IT" sz="1800" spc="-1" strike="noStrike">
+                <a:latin typeface="Arial"/>
+              </a:rPr>
+              <a:t>→ </a:t>
+            </a:r>
+            <a:r>
+              <a:rPr b="0" lang="it-IT" sz="1800" spc="-1" strike="noStrike">
+                <a:latin typeface="Arial"/>
+              </a:rPr>
+              <a:t>Quản lý đề thi</a:t>
+            </a:r>
+            <a:endParaRPr b="0" lang="it-IT" sz="1800" spc="-1" strike="noStrike">
+              <a:latin typeface="Arial"/>
+            </a:endParaRPr>
+          </a:p>
+          <a:p>
+            <a:r>
+              <a:rPr b="0" lang="it-IT" sz="1800" spc="-1" strike="noStrike">
+                <a:latin typeface="Arial"/>
+              </a:rPr>
+              <a:t>	</a:t>
+            </a:r>
+            <a:r>
+              <a:rPr b="0" lang="it-IT" sz="1800" spc="-1" strike="noStrike">
+                <a:latin typeface="Arial"/>
+              </a:rPr>
+              <a:t>→ </a:t>
+            </a:r>
+            <a:r>
+              <a:rPr b="0" lang="it-IT" sz="1800" spc="-1" strike="noStrike">
+                <a:latin typeface="Arial"/>
+              </a:rPr>
+              <a:t>Kiểm tra lịch sử làm bài của tất cả học sinh</a:t>
+            </a:r>
+            <a:endParaRPr b="0" lang="it-IT" sz="1800" spc="-1" strike="noStrike">
+              <a:latin typeface="Arial"/>
+            </a:endParaRPr>
+          </a:p>
+          <a:p>
+            <a:r>
+              <a:rPr b="0" lang="it-IT" sz="1800" spc="-1" strike="noStrike" u="sng">
+                <a:uFillTx/>
+                <a:latin typeface="Arial"/>
+              </a:rPr>
+              <a:t>* Học sinh có thể:</a:t>
+            </a:r>
+            <a:endParaRPr b="0" lang="it-IT" sz="1800" spc="-1" strike="noStrike">
+              <a:latin typeface="Arial"/>
+            </a:endParaRPr>
+          </a:p>
+          <a:p>
+            <a:r>
+              <a:rPr b="0" lang="it-IT" sz="1800" spc="-1" strike="noStrike">
+                <a:latin typeface="Arial"/>
+              </a:rPr>
+              <a:t>	</a:t>
+            </a:r>
+            <a:r>
+              <a:rPr b="0" lang="it-IT" sz="1800" spc="-1" strike="noStrike">
+                <a:latin typeface="Arial"/>
+              </a:rPr>
+              <a:t>→ </a:t>
+            </a:r>
+            <a:r>
+              <a:rPr b="0" lang="it-IT" sz="1800" spc="-1" strike="noStrike">
+                <a:latin typeface="Arial"/>
+              </a:rPr>
+              <a:t>Xem danh sách những đề thi khả dụng</a:t>
+            </a:r>
+            <a:endParaRPr b="0" lang="it-IT" sz="1800" spc="-1" strike="noStrike">
+              <a:latin typeface="Arial"/>
+            </a:endParaRPr>
+          </a:p>
+          <a:p>
+            <a:r>
+              <a:rPr b="0" lang="it-IT" sz="1800" spc="-1" strike="noStrike">
+                <a:latin typeface="Arial"/>
+              </a:rPr>
+              <a:t>	</a:t>
+            </a:r>
+            <a:r>
+              <a:rPr b="0" lang="it-IT" sz="1800" spc="-1" strike="noStrike">
+                <a:latin typeface="Arial"/>
+              </a:rPr>
+              <a:t>→ </a:t>
+            </a:r>
+            <a:r>
+              <a:rPr b="0" lang="it-IT" sz="1800" spc="-1" strike="noStrike">
+                <a:latin typeface="Arial"/>
+              </a:rPr>
+              <a:t>Làm bài thi</a:t>
+            </a:r>
+            <a:endParaRPr b="0" lang="it-IT" sz="1800" spc="-1" strike="noStrike">
+              <a:latin typeface="Arial"/>
+            </a:endParaRPr>
+          </a:p>
+          <a:p>
+            <a:r>
+              <a:rPr b="0" lang="it-IT" sz="1800" spc="-1" strike="noStrike">
+                <a:latin typeface="Arial"/>
+              </a:rPr>
+              <a:t>	</a:t>
+            </a:r>
+            <a:r>
+              <a:rPr b="0" lang="it-IT" sz="1800" spc="-1" strike="noStrike">
+                <a:latin typeface="Arial"/>
+              </a:rPr>
+              <a:t>→ </a:t>
+            </a:r>
+            <a:r>
+              <a:rPr b="0" lang="it-IT" sz="1800" spc="-1" strike="noStrike">
+                <a:latin typeface="Arial"/>
+              </a:rPr>
+              <a:t>Kiểm tra lịch sử làm bài của mình</a:t>
+            </a:r>
+            <a:endParaRPr b="0" lang="it-IT" sz="1800" spc="-1" strike="noStrike">
+              <a:latin typeface="Arial"/>
+            </a:endParaRPr>
+          </a:p>
+        </p:txBody>
+      </p:sp>
+    </p:spTree>
+  </p:cSld>
+  <mc:AlternateContent>
+    <mc:Choice Requires="p14">
+      <p:transition spd="slow" p14:dur="2000"/>
+    </mc:Choice>
+    <mc:Fallback>
+      <p:transition spd="slow"/>
+    </mc:Fallback>
+  </mc:AlternateContent>
+</p:sld>
+</file>
+
+<file path=ppt/slides/slide12.xml><?xml version="1.0" encoding="utf-8"?>
+<p:sld xmlns:a="http://schemas.openxmlformats.org/drawingml/2006/main" xmlns:p="http://schemas.openxmlformats.org/presentationml/2006/main" xmlns:r="http://schemas.openxmlformats.org/officeDocument/2006/relationships" xmlns:p14="http://schemas.microsoft.com/office/powerpoint/2010/main" xmlns:p15="http://schemas.microsoft.com/office/powerpoint/2012/main" xmlns:mc="http://schemas.openxmlformats.org/markup-compatibility/2006">
+  <p:cSld>
+    <p:spTree>
+      <p:nvGrpSpPr>
+        <p:cNvPr id="1" name=""/>
+        <p:cNvGrpSpPr/>
+        <p:nvPr/>
+      </p:nvGrpSpPr>
+      <p:grpSpPr>
+        <a:xfrm>
+          <a:off x="0" y="0"/>
+          <a:ext cx="0" cy="0"/>
+          <a:chOff x="0" y="0"/>
+          <a:chExt cx="0" cy="0"/>
+        </a:xfrm>
+      </p:grpSpPr>
+      <p:sp>
+        <p:nvSpPr>
+          <p:cNvPr id="191" name="TextShape 1"/>
+          <p:cNvSpPr txBox="1"/>
+          <p:nvPr/>
+        </p:nvSpPr>
+        <p:spPr>
+          <a:xfrm>
+            <a:off x="504000" y="301320"/>
+            <a:ext cx="9071640" cy="922680"/>
+          </a:xfrm>
+          <a:prstGeom prst="rect">
+            <a:avLst/>
+          </a:prstGeom>
+          <a:noFill/>
+          <a:ln>
+            <a:noFill/>
+          </a:ln>
+        </p:spPr>
+        <p:txBody>
+          <a:bodyPr lIns="0" rIns="0" tIns="0" bIns="0" anchor="ctr">
+            <a:noAutofit/>
+          </a:bodyPr>
+          <a:p>
+            <a:pPr algn="ctr"/>
+            <a:r>
+              <a:rPr b="0" lang="it-IT" sz="4400" spc="-1" strike="noStrike">
+                <a:latin typeface="Arial"/>
+              </a:rPr>
+              <a:t>Cách thức Project vận hành</a:t>
+            </a:r>
+            <a:endParaRPr b="0" lang="it-IT" sz="4400" spc="-1" strike="noStrike">
+              <a:latin typeface="Arial"/>
+            </a:endParaRPr>
+          </a:p>
+        </p:txBody>
+      </p:sp>
+      <p:pic>
+        <p:nvPicPr>
+          <p:cNvPr id="192" name="" descr=""/>
+          <p:cNvPicPr/>
+          <p:nvPr/>
+        </p:nvPicPr>
+        <p:blipFill>
+          <a:blip r:embed="rId1"/>
+          <a:stretch/>
+        </p:blipFill>
+        <p:spPr>
+          <a:xfrm>
+            <a:off x="6408720" y="1937880"/>
+            <a:ext cx="3101040" cy="4005720"/>
+          </a:xfrm>
+          <a:prstGeom prst="rect">
+            <a:avLst/>
+          </a:prstGeom>
+          <a:ln>
+            <a:noFill/>
+          </a:ln>
+        </p:spPr>
+      </p:pic>
+      <p:sp>
+        <p:nvSpPr>
+          <p:cNvPr id="193" name="TextShape 2"/>
+          <p:cNvSpPr txBox="1"/>
+          <p:nvPr/>
+        </p:nvSpPr>
+        <p:spPr>
+          <a:xfrm>
+            <a:off x="930240" y="3247200"/>
+            <a:ext cx="4754160" cy="1936800"/>
+          </a:xfrm>
+          <a:prstGeom prst="rect">
+            <a:avLst/>
+          </a:prstGeom>
+          <a:noFill/>
+          <a:ln>
+            <a:noFill/>
+          </a:ln>
+        </p:spPr>
+        <p:txBody>
+          <a:bodyPr lIns="90000" rIns="90000" tIns="45000" bIns="45000">
+            <a:noAutofit/>
+          </a:bodyPr>
+          <a:p>
+            <a:r>
+              <a:rPr b="1" lang="it-IT" sz="2000" spc="-1" strike="noStrike">
+                <a:latin typeface="Arial"/>
+              </a:rPr>
+              <a:t>Mô hình 3 lớp (3-Tier Architecture):</a:t>
+            </a:r>
+            <a:endParaRPr b="0" lang="it-IT" sz="2000" spc="-1" strike="noStrike">
+              <a:latin typeface="Arial"/>
+            </a:endParaRPr>
+          </a:p>
+          <a:p>
+            <a:r>
+              <a:rPr b="0" lang="it-IT" sz="1800" spc="-1" strike="noStrike">
+                <a:latin typeface="Arial"/>
+              </a:rPr>
+              <a:t>→ </a:t>
+            </a:r>
+            <a:r>
+              <a:rPr b="0" lang="it-IT" sz="1800" spc="-1" strike="noStrike">
+                <a:latin typeface="Arial"/>
+              </a:rPr>
+              <a:t>Nâng cao tính tái sử dụng mã nguồn</a:t>
+            </a:r>
+            <a:endParaRPr b="0" lang="it-IT" sz="1800" spc="-1" strike="noStrike">
+              <a:latin typeface="Arial"/>
+            </a:endParaRPr>
+          </a:p>
+          <a:p>
+            <a:r>
+              <a:rPr b="0" lang="it-IT" sz="1800" spc="-1" strike="noStrike">
+                <a:latin typeface="Arial"/>
+              </a:rPr>
+              <a:t>→ </a:t>
+            </a:r>
+            <a:r>
+              <a:rPr b="0" lang="it-IT" sz="1800" spc="-1" strike="noStrike">
+                <a:latin typeface="Arial"/>
+              </a:rPr>
+              <a:t>Nâng cao khả năng nâng cấp và phân chia module (→ tăng khả năng teamwork)</a:t>
+            </a:r>
+            <a:endParaRPr b="0" lang="it-IT" sz="1800" spc="-1" strike="noStrike">
+              <a:latin typeface="Arial"/>
+            </a:endParaRPr>
+          </a:p>
+        </p:txBody>
+      </p:sp>
+    </p:spTree>
+  </p:cSld>
+  <mc:AlternateContent>
+    <mc:Choice Requires="p14">
+      <p:transition spd="slow" p14:dur="2000"/>
+    </mc:Choice>
+    <mc:Fallback>
+      <p:transition spd="slow"/>
+    </mc:Fallback>
+  </mc:AlternateContent>
+</p:sld>
+</file>
+
+<file path=ppt/slides/slide13.xml><?xml version="1.0" encoding="utf-8"?>
+<p:sld xmlns:a="http://schemas.openxmlformats.org/drawingml/2006/main" xmlns:p="http://schemas.openxmlformats.org/presentationml/2006/main" xmlns:r="http://schemas.openxmlformats.org/officeDocument/2006/relationships" xmlns:p14="http://schemas.microsoft.com/office/powerpoint/2010/main" xmlns:p15="http://schemas.microsoft.com/office/powerpoint/2012/main" xmlns:mc="http://schemas.openxmlformats.org/markup-compatibility/2006">
+  <p:cSld>
+    <p:spTree>
+      <p:nvGrpSpPr>
+        <p:cNvPr id="1" name=""/>
+        <p:cNvGrpSpPr/>
+        <p:nvPr/>
+      </p:nvGrpSpPr>
+      <p:grpSpPr>
+        <a:xfrm>
+          <a:off x="0" y="0"/>
+          <a:ext cx="0" cy="0"/>
+          <a:chOff x="0" y="0"/>
+          <a:chExt cx="0" cy="0"/>
+        </a:xfrm>
+      </p:grpSpPr>
+      <p:sp>
+        <p:nvSpPr>
+          <p:cNvPr id="194" name="TextShape 1"/>
+          <p:cNvSpPr txBox="1"/>
+          <p:nvPr/>
+        </p:nvSpPr>
+        <p:spPr>
+          <a:xfrm>
+            <a:off x="504000" y="301320"/>
+            <a:ext cx="9071640" cy="922680"/>
+          </a:xfrm>
+          <a:prstGeom prst="rect">
+            <a:avLst/>
+          </a:prstGeom>
+          <a:noFill/>
+          <a:ln>
+            <a:noFill/>
+          </a:ln>
+        </p:spPr>
+        <p:txBody>
+          <a:bodyPr lIns="0" rIns="0" tIns="0" bIns="0" anchor="ctr">
+            <a:noAutofit/>
+          </a:bodyPr>
+          <a:p>
+            <a:pPr algn="ctr"/>
+            <a:r>
+              <a:rPr b="0" lang="it-IT" sz="4400" spc="-1" strike="noStrike">
+                <a:latin typeface="Arial"/>
+              </a:rPr>
+              <a:t>Cách thức Project vận hành</a:t>
+            </a:r>
+            <a:endParaRPr b="0" lang="it-IT" sz="4400" spc="-1" strike="noStrike">
+              <a:latin typeface="Arial"/>
+            </a:endParaRPr>
+          </a:p>
+        </p:txBody>
+      </p:sp>
+      <p:sp>
+        <p:nvSpPr>
+          <p:cNvPr id="195" name="TextShape 2"/>
+          <p:cNvSpPr txBox="1"/>
+          <p:nvPr/>
+        </p:nvSpPr>
+        <p:spPr>
+          <a:xfrm>
+            <a:off x="822960" y="2834640"/>
+            <a:ext cx="4297680" cy="3383280"/>
+          </a:xfrm>
+          <a:prstGeom prst="rect">
+            <a:avLst/>
+          </a:prstGeom>
+          <a:noFill/>
+          <a:ln>
+            <a:noFill/>
+          </a:ln>
+        </p:spPr>
+        <p:txBody>
+          <a:bodyPr lIns="90000" rIns="90000" tIns="45000" bIns="45000">
+            <a:noAutofit/>
+          </a:bodyPr>
+          <a:p>
+            <a:r>
+              <a:rPr b="1" lang="it-IT" sz="2000" spc="-1" strike="noStrike">
+                <a:latin typeface="Arial"/>
+              </a:rPr>
+              <a:t>Mẫu thiết kế: MVC design pattern</a:t>
+            </a:r>
+            <a:endParaRPr b="0" lang="it-IT" sz="2000" spc="-1" strike="noStrike">
+              <a:latin typeface="Arial"/>
+            </a:endParaRPr>
+          </a:p>
+          <a:p>
+            <a:r>
+              <a:rPr b="0" lang="it-IT" sz="2000" spc="-1" strike="noStrike">
+                <a:latin typeface="Arial"/>
+              </a:rPr>
+              <a:t>→ </a:t>
+            </a:r>
+            <a:r>
+              <a:rPr b="0" lang="it-IT" sz="2000" spc="-1" strike="noStrike">
+                <a:latin typeface="Arial"/>
+              </a:rPr>
+              <a:t>Ưu điểm:</a:t>
+            </a:r>
+            <a:endParaRPr b="0" lang="it-IT" sz="2000" spc="-1" strike="noStrike">
+              <a:latin typeface="Arial"/>
+            </a:endParaRPr>
+          </a:p>
+          <a:p>
+            <a:r>
+              <a:rPr b="0" lang="it-IT" sz="2000" spc="-1" strike="noStrike">
+                <a:latin typeface="Arial"/>
+              </a:rPr>
+              <a:t>	</a:t>
+            </a:r>
+            <a:r>
+              <a:rPr b="0" lang="it-IT" sz="2000" spc="-1" strike="noStrike">
+                <a:latin typeface="Arial"/>
+              </a:rPr>
+              <a:t>+ Dễ triển khai vì đã có framework hỗ trợ</a:t>
+            </a:r>
+            <a:endParaRPr b="0" lang="it-IT" sz="2000" spc="-1" strike="noStrike">
+              <a:latin typeface="Arial"/>
+            </a:endParaRPr>
+          </a:p>
+          <a:p>
+            <a:r>
+              <a:rPr b="0" lang="it-IT" sz="2000" spc="-1" strike="noStrike">
+                <a:latin typeface="Arial"/>
+              </a:rPr>
+              <a:t>	</a:t>
+            </a:r>
+            <a:r>
+              <a:rPr b="0" lang="it-IT" sz="2000" spc="-1" strike="noStrike">
+                <a:latin typeface="Arial"/>
+              </a:rPr>
+              <a:t>+ Dễ phát triển</a:t>
+            </a:r>
+            <a:endParaRPr b="0" lang="it-IT" sz="2000" spc="-1" strike="noStrike">
+              <a:latin typeface="Arial"/>
+            </a:endParaRPr>
+          </a:p>
+          <a:p>
+            <a:r>
+              <a:rPr b="0" lang="it-IT" sz="2000" spc="-1" strike="noStrike">
+                <a:latin typeface="Arial"/>
+              </a:rPr>
+              <a:t>	</a:t>
+            </a:r>
+            <a:r>
+              <a:rPr b="0" lang="it-IT" sz="2000" spc="-1" strike="noStrike">
+                <a:latin typeface="Arial"/>
+              </a:rPr>
+              <a:t>+ Dễ nâng cấp</a:t>
+            </a:r>
+            <a:endParaRPr b="0" lang="it-IT" sz="2000" spc="-1" strike="noStrike">
+              <a:latin typeface="Arial"/>
+            </a:endParaRPr>
+          </a:p>
+          <a:p>
+            <a:r>
+              <a:rPr b="0" lang="it-IT" sz="2000" spc="-1" strike="noStrike">
+                <a:latin typeface="Arial"/>
+              </a:rPr>
+              <a:t>	</a:t>
+            </a:r>
+            <a:r>
+              <a:rPr b="0" lang="it-IT" sz="2000" spc="-1" strike="noStrike">
+                <a:latin typeface="Arial"/>
+              </a:rPr>
+              <a:t>+ Phân chia rõ ràng, dễ hiểu</a:t>
+            </a:r>
+            <a:endParaRPr b="0" lang="it-IT" sz="2000" spc="-1" strike="noStrike">
+              <a:latin typeface="Arial"/>
+            </a:endParaRPr>
+          </a:p>
+          <a:p>
+            <a:r>
+              <a:rPr b="0" lang="it-IT" sz="2000" spc="-1" strike="noStrike">
+                <a:latin typeface="Arial"/>
+              </a:rPr>
+              <a:t>→ </a:t>
+            </a:r>
+            <a:r>
+              <a:rPr b="0" lang="it-IT" sz="2000" spc="-1" strike="noStrike">
+                <a:latin typeface="Arial"/>
+              </a:rPr>
+              <a:t>Nhược điểm:</a:t>
+            </a:r>
+            <a:endParaRPr b="0" lang="it-IT" sz="2000" spc="-1" strike="noStrike">
+              <a:latin typeface="Arial"/>
+            </a:endParaRPr>
+          </a:p>
+          <a:p>
+            <a:r>
+              <a:rPr b="0" lang="it-IT" sz="2000" spc="-1" strike="noStrike">
+                <a:latin typeface="Arial"/>
+              </a:rPr>
+              <a:t>	</a:t>
+            </a:r>
+            <a:r>
+              <a:rPr b="0" lang="it-IT" sz="2000" spc="-1" strike="noStrike">
+                <a:latin typeface="Arial"/>
+              </a:rPr>
+              <a:t>+ Khó triển khai khi không có sự hỗ trợ tốt từ phía ngôn ngữ lập trình, framework</a:t>
+            </a:r>
+            <a:endParaRPr b="0" lang="it-IT" sz="2000" spc="-1" strike="noStrike">
+              <a:latin typeface="Arial"/>
+            </a:endParaRPr>
+          </a:p>
+        </p:txBody>
+      </p:sp>
+      <p:pic>
+        <p:nvPicPr>
+          <p:cNvPr id="196" name="" descr=""/>
+          <p:cNvPicPr/>
+          <p:nvPr/>
+        </p:nvPicPr>
+        <p:blipFill>
+          <a:blip r:embed="rId1"/>
+          <a:stretch/>
+        </p:blipFill>
+        <p:spPr>
+          <a:xfrm>
+            <a:off x="5353920" y="2054520"/>
+            <a:ext cx="4045680" cy="4450320"/>
+          </a:xfrm>
+          <a:prstGeom prst="rect">
+            <a:avLst/>
+          </a:prstGeom>
+          <a:ln>
+            <a:noFill/>
+          </a:ln>
+        </p:spPr>
+      </p:pic>
+    </p:spTree>
+  </p:cSld>
+  <mc:AlternateContent>
+    <mc:Choice Requires="p14">
+      <p:transition spd="slow" p14:dur="2000"/>
+    </mc:Choice>
+    <mc:Fallback>
+      <p:transition spd="slow"/>
+    </mc:Fallback>
+  </mc:AlternateContent>
+</p:sld>
+</file>
+
+<file path=ppt/slides/slide2.xml><?xml version="1.0" encoding="utf-8"?>
+<p:sld xmlns:a="http://schemas.openxmlformats.org/drawingml/2006/main" xmlns:p="http://schemas.openxmlformats.org/presentationml/2006/main" xmlns:r="http://schemas.openxmlformats.org/officeDocument/2006/relationships" xmlns:p14="http://schemas.microsoft.com/office/powerpoint/2010/main" xmlns:p15="http://schemas.microsoft.com/office/powerpoint/2012/main" xmlns:mc="http://schemas.openxmlformats.org/markup-compatibility/2006">
+  <p:cSld>
+    <p:spTree>
+      <p:nvGrpSpPr>
+        <p:cNvPr id="1" name=""/>
+        <p:cNvGrpSpPr/>
+        <p:nvPr/>
+      </p:nvGrpSpPr>
+      <p:grpSpPr>
+        <a:xfrm>
+          <a:off x="0" y="0"/>
+          <a:ext cx="0" cy="0"/>
+          <a:chOff x="0" y="0"/>
+          <a:chExt cx="0" cy="0"/>
+        </a:xfrm>
+      </p:grpSpPr>
+      <p:sp>
+        <p:nvSpPr>
+          <p:cNvPr id="166" name="TextShape 1"/>
+          <p:cNvSpPr txBox="1"/>
+          <p:nvPr/>
+        </p:nvSpPr>
+        <p:spPr>
+          <a:xfrm>
+            <a:off x="504000" y="301320"/>
+            <a:ext cx="9071640" cy="922680"/>
+          </a:xfrm>
+          <a:prstGeom prst="rect">
+            <a:avLst/>
+          </a:prstGeom>
+          <a:noFill/>
+          <a:ln>
+            <a:noFill/>
+          </a:ln>
+        </p:spPr>
+        <p:txBody>
+          <a:bodyPr lIns="0" rIns="0" tIns="0" bIns="0" anchor="ctr">
+            <a:noAutofit/>
+          </a:bodyPr>
+          <a:p>
+            <a:pPr algn="ctr"/>
+            <a:r>
+              <a:rPr b="0" lang="it-IT" sz="4400" spc="-1" strike="noStrike">
+                <a:latin typeface="Arial"/>
+              </a:rPr>
+              <a:t>Giới thiệu nhóm</a:t>
+            </a:r>
+            <a:endParaRPr b="0" lang="it-IT" sz="4400" spc="-1" strike="noStrike">
+              <a:latin typeface="Arial"/>
+            </a:endParaRPr>
+          </a:p>
+        </p:txBody>
+      </p:sp>
+      <p:graphicFrame>
+        <p:nvGraphicFramePr>
+          <p:cNvPr id="167" name="Table 2"/>
+          <p:cNvGraphicFramePr/>
+          <p:nvPr/>
+        </p:nvGraphicFramePr>
+        <p:xfrm>
+          <a:off x="1308240" y="2932920"/>
+          <a:ext cx="7588800" cy="2568960"/>
+        </p:xfrm>
+        <a:graphic>
+          <a:graphicData uri="http://schemas.openxmlformats.org/drawingml/2006/table">
+            <a:tbl>
+              <a:tblPr/>
+              <a:tblGrid>
+                <a:gridCol w="2928240"/>
+                <a:gridCol w="4660920"/>
+              </a:tblGrid>
+              <a:tr h="424080">
+                <a:tc>
+                  <a:txBody>
+                    <a:bodyPr lIns="90000" rIns="90000" tIns="46800" bIns="46800" anchor="ctr">
+                      <a:noAutofit/>
+                    </a:bodyPr>
+                    <a:p>
+                      <a:pPr algn="ctr"/>
+                      <a:r>
+                        <a:rPr b="1" lang="it-IT" sz="1800" spc="-1" strike="noStrike">
+                          <a:latin typeface="Arial"/>
+                        </a:rPr>
+                        <a:t>Thông tin</a:t>
+                      </a:r>
+                      <a:endParaRPr b="1" lang="it-IT" sz="1800" spc="-1" strike="noStrike">
+                        <a:latin typeface="Arial"/>
+                      </a:endParaRPr>
+                    </a:p>
+                  </a:txBody>
+                  <a:tcPr marL="90000" marR="90000">
+                    <a:lnL w="720">
+                      <a:solidFill>
+                        <a:srgbClr val="ffffff"/>
+                      </a:solidFill>
+                    </a:lnL>
+                    <a:lnR w="720">
+                      <a:solidFill>
+                        <a:srgbClr val="ffffff"/>
+                      </a:solidFill>
+                    </a:lnR>
+                    <a:lnT w="720">
+                      <a:solidFill>
+                        <a:srgbClr val="ffffff"/>
+                      </a:solidFill>
+                    </a:lnT>
+                    <a:lnB w="720">
+                      <a:solidFill>
+                        <a:srgbClr val="ffffff"/>
+                      </a:solidFill>
+                    </a:lnB>
+                    <a:solidFill>
+                      <a:srgbClr val="b3b3b3"/>
+                    </a:solidFill>
+                  </a:tcPr>
+                </a:tc>
+                <a:tc>
+                  <a:txBody>
+                    <a:bodyPr lIns="90000" rIns="90000" tIns="46800" bIns="46800" anchor="ctr">
+                      <a:noAutofit/>
+                    </a:bodyPr>
+                    <a:p>
+                      <a:pPr algn="ctr"/>
+                      <a:r>
+                        <a:rPr b="1" lang="it-IT" sz="1800" spc="-1" strike="noStrike">
+                          <a:latin typeface="Arial"/>
+                        </a:rPr>
+                        <a:t>Phân công công việc</a:t>
+                      </a:r>
+                      <a:endParaRPr b="1" lang="it-IT" sz="1800" spc="-1" strike="noStrike">
+                        <a:latin typeface="Arial"/>
+                      </a:endParaRPr>
+                    </a:p>
+                  </a:txBody>
+                  <a:tcPr marL="90000" marR="90000">
+                    <a:lnL w="720">
+                      <a:solidFill>
+                        <a:srgbClr val="ffffff"/>
+                      </a:solidFill>
+                    </a:lnL>
+                    <a:lnR w="720">
+                      <a:solidFill>
+                        <a:srgbClr val="ffffff"/>
+                      </a:solidFill>
+                    </a:lnR>
+                    <a:lnT w="720">
+                      <a:solidFill>
+                        <a:srgbClr val="ffffff"/>
+                      </a:solidFill>
+                    </a:lnT>
+                    <a:lnB w="720">
+                      <a:solidFill>
+                        <a:srgbClr val="ffffff"/>
+                      </a:solidFill>
+                    </a:lnB>
+                    <a:solidFill>
+                      <a:srgbClr val="b3b3b3"/>
+                    </a:solidFill>
+                  </a:tcPr>
+                </a:tc>
+              </a:tr>
+              <a:tr h="855720">
+                <a:tc>
+                  <a:txBody>
+                    <a:bodyPr lIns="90000" rIns="90000" tIns="46800" bIns="46800" anchor="ctr">
+                      <a:noAutofit/>
+                    </a:bodyPr>
+                    <a:p>
+                      <a:pPr algn="ctr"/>
+                      <a:r>
+                        <a:rPr b="0" lang="it-IT" sz="1800" spc="-1" strike="noStrike">
+                          <a:latin typeface="Arial"/>
+                        </a:rPr>
+                        <a:t>Nguyễn Đức Hưng</a:t>
+                      </a:r>
+                      <a:endParaRPr b="0" lang="it-IT" sz="1800" spc="-1" strike="noStrike">
+                        <a:latin typeface="Arial"/>
+                      </a:endParaRPr>
+                    </a:p>
+                    <a:p>
+                      <a:pPr algn="ctr"/>
+                      <a:r>
+                        <a:rPr b="0" lang="it-IT" sz="1800" spc="-1" strike="noStrike">
+                          <a:latin typeface="Arial"/>
+                        </a:rPr>
+                        <a:t>MSSV: 20176779</a:t>
+                      </a:r>
+                      <a:endParaRPr b="0" lang="it-IT" sz="1800" spc="-1" strike="noStrike">
+                        <a:latin typeface="Arial"/>
+                      </a:endParaRPr>
+                    </a:p>
+                  </a:txBody>
+                  <a:tcPr marL="90000" marR="90000">
+                    <a:lnL w="720">
+                      <a:solidFill>
+                        <a:srgbClr val="ffffff"/>
+                      </a:solidFill>
+                    </a:lnL>
+                    <a:lnR w="720">
+                      <a:solidFill>
+                        <a:srgbClr val="ffffff"/>
+                      </a:solidFill>
+                    </a:lnR>
+                    <a:lnT w="720">
+                      <a:solidFill>
+                        <a:srgbClr val="ffffff"/>
+                      </a:solidFill>
+                    </a:lnT>
+                    <a:lnB w="720">
+                      <a:solidFill>
+                        <a:srgbClr val="ffffff"/>
+                      </a:solidFill>
+                    </a:lnB>
+                    <a:solidFill>
+                      <a:srgbClr val="cccccc"/>
+                    </a:solidFill>
+                  </a:tcPr>
+                </a:tc>
+                <a:tc>
+                  <a:txBody>
+                    <a:bodyPr lIns="90000" rIns="90000" tIns="46800" bIns="46800" anchor="ctr">
+                      <a:noAutofit/>
+                    </a:bodyPr>
+                    <a:p>
+                      <a:r>
+                        <a:rPr b="0" lang="it-IT" sz="1800" spc="-1" strike="noStrike">
+                          <a:latin typeface="Arial"/>
+                        </a:rPr>
+                        <a:t>- Cấu trúc project</a:t>
+                      </a:r>
+                      <a:endParaRPr b="0" lang="it-IT" sz="1800" spc="-1" strike="noStrike">
+                        <a:latin typeface="Arial"/>
+                      </a:endParaRPr>
+                    </a:p>
+                    <a:p>
+                      <a:r>
+                        <a:rPr b="0" lang="it-IT" sz="1800" spc="-1" strike="noStrike">
+                          <a:latin typeface="Arial"/>
+                        </a:rPr>
+                        <a:t>- Trang đăng nhập, phân quyền</a:t>
+                      </a:r>
+                      <a:endParaRPr b="0" lang="it-IT" sz="1800" spc="-1" strike="noStrike">
+                        <a:latin typeface="Arial"/>
+                      </a:endParaRPr>
+                    </a:p>
+                    <a:p>
+                      <a:r>
+                        <a:rPr b="0" lang="it-IT" sz="1800" spc="-1" strike="noStrike">
+                          <a:latin typeface="Arial"/>
+                        </a:rPr>
+                        <a:t>- Trang quản lý câu hỏi</a:t>
+                      </a:r>
+                      <a:endParaRPr b="0" lang="it-IT" sz="1800" spc="-1" strike="noStrike">
+                        <a:latin typeface="Arial"/>
+                      </a:endParaRPr>
+                    </a:p>
+                    <a:p>
+                      <a:r>
+                        <a:rPr b="0" lang="it-IT" sz="1800" spc="-1" strike="noStrike">
+                          <a:latin typeface="Arial"/>
+                        </a:rPr>
+                        <a:t>- Trang quản lý đề kiểm tra</a:t>
+                      </a:r>
+                      <a:endParaRPr b="0" lang="it-IT" sz="1800" spc="-1" strike="noStrike">
+                        <a:latin typeface="Arial"/>
+                      </a:endParaRPr>
+                    </a:p>
+                  </a:txBody>
+                  <a:tcPr marL="90000" marR="90000">
+                    <a:lnL w="720">
+                      <a:solidFill>
+                        <a:srgbClr val="ffffff"/>
+                      </a:solidFill>
+                    </a:lnL>
+                    <a:lnR w="720">
+                      <a:solidFill>
+                        <a:srgbClr val="ffffff"/>
+                      </a:solidFill>
+                    </a:lnR>
+                    <a:lnT w="720">
+                      <a:solidFill>
+                        <a:srgbClr val="ffffff"/>
+                      </a:solidFill>
+                    </a:lnT>
+                    <a:lnB w="720">
+                      <a:solidFill>
+                        <a:srgbClr val="ffffff"/>
+                      </a:solidFill>
+                    </a:lnB>
+                    <a:solidFill>
+                      <a:srgbClr val="cccccc"/>
+                    </a:solidFill>
+                  </a:tcPr>
+                </a:tc>
+              </a:tr>
+              <a:tr h="857520">
+                <a:tc>
+                  <a:txBody>
+                    <a:bodyPr lIns="90000" rIns="90000" tIns="46800" bIns="46800" anchor="ctr">
+                      <a:noAutofit/>
+                    </a:bodyPr>
+                    <a:p>
+                      <a:pPr algn="ctr"/>
+                      <a:r>
+                        <a:rPr b="0" lang="it-IT" sz="1800" spc="-1" strike="noStrike">
+                          <a:latin typeface="Arial"/>
+                        </a:rPr>
+                        <a:t>Đỗ Đức Tiến</a:t>
+                      </a:r>
+                      <a:endParaRPr b="0" lang="it-IT" sz="1800" spc="-1" strike="noStrike">
+                        <a:latin typeface="Arial"/>
+                      </a:endParaRPr>
+                    </a:p>
+                    <a:p>
+                      <a:pPr algn="ctr"/>
+                      <a:r>
+                        <a:rPr b="0" lang="it-IT" sz="1800" spc="-1" strike="noStrike">
+                          <a:latin typeface="Arial"/>
+                        </a:rPr>
+                        <a:t>MSSV: 20176888</a:t>
+                      </a:r>
+                      <a:endParaRPr b="0" lang="it-IT" sz="1800" spc="-1" strike="noStrike">
+                        <a:latin typeface="Arial"/>
+                      </a:endParaRPr>
+                    </a:p>
+                  </a:txBody>
+                  <a:tcPr marL="90000" marR="90000">
+                    <a:lnL w="720">
+                      <a:solidFill>
+                        <a:srgbClr val="ffffff"/>
+                      </a:solidFill>
+                    </a:lnL>
+                    <a:lnR w="720">
+                      <a:solidFill>
+                        <a:srgbClr val="ffffff"/>
+                      </a:solidFill>
+                    </a:lnR>
+                    <a:lnT w="720">
+                      <a:solidFill>
+                        <a:srgbClr val="ffffff"/>
+                      </a:solidFill>
+                    </a:lnT>
+                    <a:lnB w="720">
+                      <a:solidFill>
+                        <a:srgbClr val="ffffff"/>
+                      </a:solidFill>
+                    </a:lnB>
+                    <a:solidFill>
+                      <a:srgbClr val="e6e6e6"/>
+                    </a:solidFill>
+                  </a:tcPr>
+                </a:tc>
+                <a:tc>
+                  <a:txBody>
+                    <a:bodyPr lIns="90000" rIns="90000" tIns="46800" bIns="46800" anchor="ctr">
+                      <a:noAutofit/>
+                    </a:bodyPr>
+                    <a:p>
+                      <a:r>
+                        <a:rPr b="0" lang="it-IT" sz="1800" spc="-1" strike="noStrike">
+                          <a:latin typeface="Arial"/>
+                        </a:rPr>
+                        <a:t>- Trang quản lý người dùng</a:t>
+                      </a:r>
+                      <a:endParaRPr b="0" lang="it-IT" sz="1800" spc="-1" strike="noStrike">
+                        <a:latin typeface="Arial"/>
+                      </a:endParaRPr>
+                    </a:p>
+                    <a:p>
+                      <a:r>
+                        <a:rPr b="0" lang="it-IT" sz="1800" spc="-1" strike="noStrike">
+                          <a:latin typeface="Arial"/>
+                        </a:rPr>
+                        <a:t>- Trang làm bài thi</a:t>
+                      </a:r>
+                      <a:endParaRPr b="0" lang="it-IT" sz="1800" spc="-1" strike="noStrike">
+                        <a:latin typeface="Arial"/>
+                      </a:endParaRPr>
+                    </a:p>
+                    <a:p>
+                      <a:r>
+                        <a:rPr b="0" lang="it-IT" sz="1800" spc="-1" strike="noStrike">
+                          <a:latin typeface="Arial"/>
+                        </a:rPr>
+                        <a:t>- Thiết kế giao diện</a:t>
+                      </a:r>
+                      <a:endParaRPr b="0" lang="it-IT" sz="1800" spc="-1" strike="noStrike">
+                        <a:latin typeface="Arial"/>
+                      </a:endParaRPr>
+                    </a:p>
+                    <a:p>
+                      <a:r>
+                        <a:rPr b="0" lang="it-IT" sz="1800" spc="-1" strike="noStrike">
+                          <a:latin typeface="Arial"/>
+                        </a:rPr>
+                        <a:t>- Quản lý điểm thi cho giáo viên &amp; học sinh</a:t>
+                      </a:r>
+                      <a:endParaRPr b="0" lang="it-IT" sz="1800" spc="-1" strike="noStrike">
+                        <a:latin typeface="Arial"/>
+                      </a:endParaRPr>
+                    </a:p>
+                  </a:txBody>
+                  <a:tcPr marL="90000" marR="90000">
+                    <a:lnL w="720">
+                      <a:solidFill>
+                        <a:srgbClr val="ffffff"/>
+                      </a:solidFill>
+                    </a:lnL>
+                    <a:lnR w="720">
+                      <a:solidFill>
+                        <a:srgbClr val="ffffff"/>
+                      </a:solidFill>
+                    </a:lnR>
+                    <a:lnT w="720">
+                      <a:solidFill>
+                        <a:srgbClr val="ffffff"/>
+                      </a:solidFill>
+                    </a:lnT>
+                    <a:lnB w="720">
+                      <a:solidFill>
+                        <a:srgbClr val="ffffff"/>
+                      </a:solidFill>
+                    </a:lnB>
+                    <a:solidFill>
+                      <a:srgbClr val="e6e6e6"/>
+                    </a:solidFill>
+                  </a:tcPr>
+                </a:tc>
+              </a:tr>
+            </a:tbl>
+          </a:graphicData>
+        </a:graphic>
+      </p:graphicFrame>
+    </p:spTree>
+  </p:cSld>
+  <mc:AlternateContent>
+    <mc:Choice Requires="p14">
+      <p:transition spd="slow" p14:dur="2000"/>
+    </mc:Choice>
+    <mc:Fallback>
+      <p:transition spd="slow"/>
+    </mc:Fallback>
+  </mc:AlternateContent>
+</p:sld>
+</file>
+
+<file path=ppt/slides/slide3.xml><?xml version="1.0" encoding="utf-8"?>
+<p:sld xmlns:a="http://schemas.openxmlformats.org/drawingml/2006/main" xmlns:p="http://schemas.openxmlformats.org/presentationml/2006/main" xmlns:r="http://schemas.openxmlformats.org/officeDocument/2006/relationships" xmlns:p14="http://schemas.microsoft.com/office/powerpoint/2010/main" xmlns:p15="http://schemas.microsoft.com/office/powerpoint/2012/main" xmlns:mc="http://schemas.openxmlformats.org/markup-compatibility/2006">
+  <p:cSld>
+    <p:spTree>
+      <p:nvGrpSpPr>
+        <p:cNvPr id="1" name=""/>
+        <p:cNvGrpSpPr/>
+        <p:nvPr/>
+      </p:nvGrpSpPr>
+      <p:grpSpPr>
+        <a:xfrm>
+          <a:off x="0" y="0"/>
+          <a:ext cx="0" cy="0"/>
+          <a:chOff x="0" y="0"/>
+          <a:chExt cx="0" cy="0"/>
+        </a:xfrm>
+      </p:grpSpPr>
+      <p:sp>
+        <p:nvSpPr>
+          <p:cNvPr id="168" name="TextShape 1"/>
+          <p:cNvSpPr txBox="1"/>
+          <p:nvPr/>
+        </p:nvSpPr>
+        <p:spPr>
+          <a:xfrm>
+            <a:off x="504000" y="301320"/>
+            <a:ext cx="9071640" cy="922680"/>
+          </a:xfrm>
+          <a:prstGeom prst="rect">
+            <a:avLst/>
+          </a:prstGeom>
+          <a:noFill/>
+          <a:ln>
+            <a:noFill/>
+          </a:ln>
+        </p:spPr>
+        <p:txBody>
+          <a:bodyPr lIns="0" rIns="0" tIns="0" bIns="0" anchor="ctr">
+            <a:noAutofit/>
+          </a:bodyPr>
+          <a:p>
+            <a:pPr algn="ctr"/>
+            <a:r>
+              <a:rPr b="0" lang="it-IT" sz="4400" spc="-1" strike="noStrike">
+                <a:latin typeface="Arial"/>
+              </a:rPr>
+              <a:t>Technology Stack</a:t>
+            </a:r>
+            <a:endParaRPr b="0" lang="it-IT" sz="4400" spc="-1" strike="noStrike">
+              <a:latin typeface="Arial"/>
+            </a:endParaRPr>
+          </a:p>
+        </p:txBody>
+      </p:sp>
+      <p:sp>
+        <p:nvSpPr>
+          <p:cNvPr id="169" name="TextShape 2"/>
+          <p:cNvSpPr txBox="1"/>
+          <p:nvPr/>
+        </p:nvSpPr>
+        <p:spPr>
+          <a:xfrm>
+            <a:off x="731520" y="2651760"/>
+            <a:ext cx="8869680" cy="3701160"/>
+          </a:xfrm>
+          <a:prstGeom prst="rect">
+            <a:avLst/>
+          </a:prstGeom>
+          <a:noFill/>
+          <a:ln>
+            <a:noFill/>
+          </a:ln>
+        </p:spPr>
+        <p:txBody>
+          <a:bodyPr lIns="90000" rIns="90000" tIns="45000" bIns="45000">
+            <a:noAutofit/>
+          </a:bodyPr>
+          <a:p>
+            <a:r>
+              <a:rPr b="0" lang="it-IT" sz="2000" spc="-1" strike="noStrike">
+                <a:latin typeface="Arial"/>
+              </a:rPr>
+              <a:t>LAMP stack. Các thành phần bao gồm:</a:t>
+            </a:r>
+            <a:endParaRPr b="0" lang="it-IT" sz="2000" spc="-1" strike="noStrike">
+              <a:latin typeface="Arial"/>
+            </a:endParaRPr>
+          </a:p>
+          <a:p>
+            <a:r>
+              <a:rPr b="0" lang="it-IT" sz="1800" spc="-1" strike="noStrike">
+                <a:latin typeface="Arial"/>
+              </a:rPr>
+              <a:t>→ </a:t>
+            </a:r>
+            <a:r>
+              <a:rPr b="0" lang="it-IT" sz="1800" spc="-1" strike="noStrike">
+                <a:latin typeface="Arial"/>
+              </a:rPr>
+              <a:t>Linux:</a:t>
+            </a:r>
+            <a:endParaRPr b="0" lang="it-IT" sz="1800" spc="-1" strike="noStrike">
+              <a:latin typeface="Arial"/>
+            </a:endParaRPr>
+          </a:p>
+          <a:p>
+            <a:r>
+              <a:rPr b="0" lang="it-IT" sz="1800" spc="-1" strike="noStrike">
+                <a:latin typeface="Arial"/>
+              </a:rPr>
+              <a:t>	</a:t>
+            </a:r>
+            <a:r>
+              <a:rPr b="0" lang="it-IT" sz="1800" spc="-1" strike="noStrike">
+                <a:latin typeface="Arial"/>
+              </a:rPr>
+              <a:t>+ Hệ điều hành phổ biến nhất cho web server</a:t>
+            </a:r>
+            <a:endParaRPr b="0" lang="it-IT" sz="1800" spc="-1" strike="noStrike">
+              <a:latin typeface="Arial"/>
+            </a:endParaRPr>
+          </a:p>
+          <a:p>
+            <a:r>
+              <a:rPr b="0" lang="it-IT" sz="1800" spc="-1" strike="noStrike">
+                <a:latin typeface="Arial"/>
+              </a:rPr>
+              <a:t>	</a:t>
+            </a:r>
+            <a:r>
+              <a:rPr b="0" lang="it-IT" sz="1800" spc="-1" strike="noStrike">
+                <a:latin typeface="Arial"/>
+              </a:rPr>
+              <a:t>+ Mã nguồn mở</a:t>
+            </a:r>
+            <a:endParaRPr b="0" lang="it-IT" sz="1800" spc="-1" strike="noStrike">
+              <a:latin typeface="Arial"/>
+            </a:endParaRPr>
+          </a:p>
+          <a:p>
+            <a:r>
+              <a:rPr b="0" lang="it-IT" sz="1800" spc="-1" strike="noStrike">
+                <a:latin typeface="Arial"/>
+              </a:rPr>
+              <a:t>→ </a:t>
+            </a:r>
+            <a:r>
+              <a:rPr b="0" lang="it-IT" sz="1800" spc="-1" strike="noStrike">
+                <a:latin typeface="Arial"/>
+              </a:rPr>
+              <a:t>Apache:</a:t>
+            </a:r>
+            <a:endParaRPr b="0" lang="it-IT" sz="1800" spc="-1" strike="noStrike">
+              <a:latin typeface="Arial"/>
+            </a:endParaRPr>
+          </a:p>
+          <a:p>
+            <a:r>
+              <a:rPr b="0" lang="it-IT" sz="1800" spc="-1" strike="noStrike">
+                <a:latin typeface="Arial"/>
+              </a:rPr>
+              <a:t>	</a:t>
+            </a:r>
+            <a:r>
+              <a:rPr b="0" lang="it-IT" sz="1800" spc="-1" strike="noStrike">
+                <a:latin typeface="Arial"/>
+              </a:rPr>
+              <a:t>+ HTTP web server phổ biến</a:t>
+            </a:r>
+            <a:endParaRPr b="0" lang="it-IT" sz="1800" spc="-1" strike="noStrike">
+              <a:latin typeface="Arial"/>
+            </a:endParaRPr>
+          </a:p>
+          <a:p>
+            <a:r>
+              <a:rPr b="0" lang="it-IT" sz="1800" spc="-1" strike="noStrike">
+                <a:latin typeface="Arial"/>
+              </a:rPr>
+              <a:t>	</a:t>
+            </a:r>
+            <a:r>
+              <a:rPr b="0" lang="it-IT" sz="1800" spc="-1" strike="noStrike">
+                <a:latin typeface="Arial"/>
+              </a:rPr>
+              <a:t>+ Mã nguồn mở</a:t>
+            </a:r>
+            <a:endParaRPr b="0" lang="it-IT" sz="1800" spc="-1" strike="noStrike">
+              <a:latin typeface="Arial"/>
+            </a:endParaRPr>
+          </a:p>
+          <a:p>
+            <a:r>
+              <a:rPr b="0" lang="it-IT" sz="1800" spc="-1" strike="noStrike">
+                <a:latin typeface="Arial"/>
+              </a:rPr>
+              <a:t>→ </a:t>
+            </a:r>
+            <a:r>
+              <a:rPr b="0" lang="it-IT" sz="1800" spc="-1" strike="noStrike">
+                <a:latin typeface="Arial"/>
+              </a:rPr>
+              <a:t>MariaDB:</a:t>
+            </a:r>
+            <a:endParaRPr b="0" lang="it-IT" sz="1800" spc="-1" strike="noStrike">
+              <a:latin typeface="Arial"/>
+            </a:endParaRPr>
+          </a:p>
+          <a:p>
+            <a:r>
+              <a:rPr b="0" lang="it-IT" sz="1800" spc="-1" strike="noStrike">
+                <a:latin typeface="Arial"/>
+              </a:rPr>
+              <a:t>	</a:t>
+            </a:r>
+            <a:r>
+              <a:rPr b="0" lang="it-IT" sz="1800" spc="-1" strike="noStrike">
+                <a:latin typeface="Arial"/>
+              </a:rPr>
+              <a:t>+ Được phát triển nhằm thay thế MySQL</a:t>
+            </a:r>
+            <a:endParaRPr b="0" lang="it-IT" sz="1800" spc="-1" strike="noStrike">
+              <a:latin typeface="Arial"/>
+            </a:endParaRPr>
+          </a:p>
+          <a:p>
+            <a:r>
+              <a:rPr b="0" lang="it-IT" sz="1800" spc="-1" strike="noStrike">
+                <a:latin typeface="Arial"/>
+              </a:rPr>
+              <a:t>	</a:t>
+            </a:r>
+            <a:r>
+              <a:rPr b="0" lang="it-IT" sz="1800" spc="-1" strike="noStrike">
+                <a:latin typeface="Arial"/>
+              </a:rPr>
+              <a:t>+ Mã nguồn mở</a:t>
+            </a:r>
+            <a:endParaRPr b="0" lang="it-IT" sz="1800" spc="-1" strike="noStrike">
+              <a:latin typeface="Arial"/>
+            </a:endParaRPr>
+          </a:p>
+          <a:p>
+            <a:r>
+              <a:rPr b="0" lang="it-IT" sz="1800" spc="-1" strike="noStrike">
+                <a:latin typeface="Arial"/>
+              </a:rPr>
+              <a:t>→ </a:t>
+            </a:r>
+            <a:r>
+              <a:rPr b="0" lang="it-IT" sz="1800" spc="-1" strike="noStrike">
+                <a:latin typeface="Arial"/>
+              </a:rPr>
+              <a:t>PHP:</a:t>
+            </a:r>
+            <a:endParaRPr b="0" lang="it-IT" sz="1800" spc="-1" strike="noStrike">
+              <a:latin typeface="Arial"/>
+            </a:endParaRPr>
+          </a:p>
+          <a:p>
+            <a:r>
+              <a:rPr b="0" lang="it-IT" sz="1800" spc="-1" strike="noStrike">
+                <a:latin typeface="Arial"/>
+              </a:rPr>
+              <a:t>	</a:t>
+            </a:r>
+            <a:r>
+              <a:rPr b="0" lang="it-IT" sz="1800" spc="-1" strike="noStrike">
+                <a:latin typeface="Arial"/>
+              </a:rPr>
+              <a:t>+ Ngôn ngữ server-side phổ biến nhất cho Web</a:t>
+            </a:r>
+            <a:endParaRPr b="0" lang="it-IT" sz="1800" spc="-1" strike="noStrike">
+              <a:latin typeface="Arial"/>
+            </a:endParaRPr>
+          </a:p>
+          <a:p>
+            <a:r>
+              <a:rPr b="0" lang="it-IT" sz="1800" spc="-1" strike="noStrike">
+                <a:latin typeface="Arial"/>
+              </a:rPr>
+              <a:t>	</a:t>
+            </a:r>
+            <a:r>
+              <a:rPr b="0" lang="it-IT" sz="1800" spc="-1" strike="noStrike">
+                <a:latin typeface="Arial"/>
+              </a:rPr>
+              <a:t>+ Sử dụng Laravel framework</a:t>
+            </a:r>
+            <a:endParaRPr b="0" lang="it-IT" sz="1800" spc="-1" strike="noStrike">
+              <a:latin typeface="Arial"/>
+            </a:endParaRPr>
+          </a:p>
+          <a:p>
+            <a:r>
+              <a:rPr b="0" lang="it-IT" sz="1800" spc="-1" strike="noStrike">
+                <a:latin typeface="Arial"/>
+              </a:rPr>
+              <a:t>	</a:t>
+            </a:r>
+            <a:r>
+              <a:rPr b="0" lang="it-IT" sz="1800" spc="-1" strike="noStrike">
+                <a:latin typeface="Arial"/>
+              </a:rPr>
+              <a:t>+ Mã nguồn mở</a:t>
+            </a:r>
+            <a:endParaRPr b="0" lang="it-IT" sz="1800" spc="-1" strike="noStrike">
+              <a:latin typeface="Arial"/>
+            </a:endParaRPr>
+          </a:p>
+        </p:txBody>
+      </p:sp>
+      <p:pic>
+        <p:nvPicPr>
+          <p:cNvPr id="170" name="" descr=""/>
+          <p:cNvPicPr/>
+          <p:nvPr/>
+        </p:nvPicPr>
+        <p:blipFill>
+          <a:blip r:embed="rId1"/>
+          <a:stretch/>
+        </p:blipFill>
+        <p:spPr>
+          <a:xfrm>
+            <a:off x="6364080" y="5303520"/>
+            <a:ext cx="585360" cy="608760"/>
+          </a:xfrm>
+          <a:prstGeom prst="rect">
+            <a:avLst/>
+          </a:prstGeom>
+          <a:ln>
+            <a:noFill/>
+          </a:ln>
+        </p:spPr>
+      </p:pic>
+      <p:pic>
+        <p:nvPicPr>
+          <p:cNvPr id="171" name="" descr=""/>
+          <p:cNvPicPr/>
+          <p:nvPr/>
+        </p:nvPicPr>
+        <p:blipFill>
+          <a:blip r:embed="rId2"/>
+          <a:stretch/>
+        </p:blipFill>
+        <p:spPr>
+          <a:xfrm>
+            <a:off x="4480560" y="3743280"/>
+            <a:ext cx="1737360" cy="848160"/>
+          </a:xfrm>
+          <a:prstGeom prst="rect">
+            <a:avLst/>
+          </a:prstGeom>
+          <a:ln>
+            <a:noFill/>
+          </a:ln>
+        </p:spPr>
+      </p:pic>
+      <p:pic>
+        <p:nvPicPr>
+          <p:cNvPr id="172" name="" descr=""/>
+          <p:cNvPicPr/>
+          <p:nvPr/>
+        </p:nvPicPr>
+        <p:blipFill>
+          <a:blip r:embed="rId3"/>
+          <a:stretch/>
+        </p:blipFill>
+        <p:spPr>
+          <a:xfrm>
+            <a:off x="6492240" y="2743200"/>
+            <a:ext cx="772200" cy="914400"/>
+          </a:xfrm>
+          <a:prstGeom prst="rect">
+            <a:avLst/>
+          </a:prstGeom>
+          <a:ln>
+            <a:noFill/>
+          </a:ln>
+        </p:spPr>
+      </p:pic>
+      <p:pic>
+        <p:nvPicPr>
+          <p:cNvPr id="173" name="" descr=""/>
+          <p:cNvPicPr/>
+          <p:nvPr/>
+        </p:nvPicPr>
+        <p:blipFill>
+          <a:blip r:embed="rId4"/>
+          <a:stretch/>
+        </p:blipFill>
+        <p:spPr>
+          <a:xfrm>
+            <a:off x="5577840" y="4591440"/>
+            <a:ext cx="1637640" cy="567360"/>
+          </a:xfrm>
+          <a:prstGeom prst="rect">
+            <a:avLst/>
+          </a:prstGeom>
+          <a:ln>
+            <a:noFill/>
+          </a:ln>
+        </p:spPr>
+      </p:pic>
+      <p:pic>
+        <p:nvPicPr>
+          <p:cNvPr id="174" name="" descr=""/>
+          <p:cNvPicPr/>
+          <p:nvPr/>
+        </p:nvPicPr>
+        <p:blipFill>
+          <a:blip r:embed="rId5"/>
+          <a:stretch/>
+        </p:blipFill>
+        <p:spPr>
+          <a:xfrm>
+            <a:off x="7125840" y="5735520"/>
+            <a:ext cx="738000" cy="390960"/>
+          </a:xfrm>
+          <a:prstGeom prst="rect">
+            <a:avLst/>
+          </a:prstGeom>
+          <a:ln>
+            <a:noFill/>
+          </a:ln>
+        </p:spPr>
+      </p:pic>
+    </p:spTree>
+  </p:cSld>
+  <mc:AlternateContent>
+    <mc:Choice Requires="p14">
+      <p:transition spd="slow" p14:dur="2000"/>
+    </mc:Choice>
+    <mc:Fallback>
+      <p:transition spd="slow"/>
+    </mc:Fallback>
+  </mc:AlternateContent>
+</p:sld>
+</file>
+
+<file path=ppt/slides/slide4.xml><?xml version="1.0" encoding="utf-8"?>
+<p:sld xmlns:a="http://schemas.openxmlformats.org/drawingml/2006/main" xmlns:p="http://schemas.openxmlformats.org/presentationml/2006/main" xmlns:r="http://schemas.openxmlformats.org/officeDocument/2006/relationships" xmlns:p14="http://schemas.microsoft.com/office/powerpoint/2010/main" xmlns:p15="http://schemas.microsoft.com/office/powerpoint/2012/main" xmlns:mc="http://schemas.openxmlformats.org/markup-compatibility/2006">
+  <p:cSld>
+    <p:spTree>
+      <p:nvGrpSpPr>
+        <p:cNvPr id="1" name=""/>
+        <p:cNvGrpSpPr/>
+        <p:nvPr/>
+      </p:nvGrpSpPr>
+      <p:grpSpPr>
+        <a:xfrm>
+          <a:off x="0" y="0"/>
+          <a:ext cx="0" cy="0"/>
+          <a:chOff x="0" y="0"/>
+          <a:chExt cx="0" cy="0"/>
+        </a:xfrm>
+      </p:grpSpPr>
+      <p:sp>
+        <p:nvSpPr>
+          <p:cNvPr id="175" name="TextShape 1"/>
+          <p:cNvSpPr txBox="1"/>
+          <p:nvPr/>
+        </p:nvSpPr>
+        <p:spPr>
+          <a:xfrm>
+            <a:off x="504000" y="301320"/>
+            <a:ext cx="9071640" cy="922680"/>
+          </a:xfrm>
+          <a:prstGeom prst="rect">
+            <a:avLst/>
+          </a:prstGeom>
+          <a:noFill/>
+          <a:ln>
+            <a:noFill/>
+          </a:ln>
+        </p:spPr>
+        <p:txBody>
+          <a:bodyPr lIns="0" rIns="0" tIns="0" bIns="0" anchor="ctr">
+            <a:noAutofit/>
+          </a:bodyPr>
+          <a:p>
+            <a:pPr algn="ctr"/>
+            <a:r>
+              <a:rPr b="0" lang="it-IT" sz="4400" spc="-1" strike="noStrike">
+                <a:latin typeface="Arial"/>
+              </a:rPr>
+              <a:t>Cơ sở dữ liệu</a:t>
+            </a:r>
+            <a:endParaRPr b="0" lang="it-IT" sz="4400" spc="-1" strike="noStrike">
+              <a:latin typeface="Arial"/>
+            </a:endParaRPr>
+          </a:p>
+        </p:txBody>
+      </p:sp>
+      <p:pic>
+        <p:nvPicPr>
+          <p:cNvPr id="176" name="" descr=""/>
+          <p:cNvPicPr/>
+          <p:nvPr/>
+        </p:nvPicPr>
+        <p:blipFill>
+          <a:blip r:embed="rId1"/>
+          <a:stretch/>
+        </p:blipFill>
+        <p:spPr>
+          <a:xfrm>
+            <a:off x="274320" y="1152720"/>
+            <a:ext cx="9601200" cy="5204520"/>
+          </a:xfrm>
+          <a:prstGeom prst="rect">
+            <a:avLst/>
+          </a:prstGeom>
+          <a:ln>
+            <a:noFill/>
+          </a:ln>
+        </p:spPr>
+      </p:pic>
+    </p:spTree>
+  </p:cSld>
+  <mc:AlternateContent>
+    <mc:Choice Requires="p14">
+      <p:transition spd="slow" p14:dur="2000"/>
+    </mc:Choice>
+    <mc:Fallback>
+      <p:transition spd="slow"/>
+    </mc:Fallback>
+  </mc:AlternateContent>
+</p:sld>
+</file>
+
+<file path=ppt/slides/slide5.xml><?xml version="1.0" encoding="utf-8"?>
+<p:sld xmlns:a="http://schemas.openxmlformats.org/drawingml/2006/main" xmlns:p="http://schemas.openxmlformats.org/presentationml/2006/main" xmlns:r="http://schemas.openxmlformats.org/officeDocument/2006/relationships" xmlns:p14="http://schemas.microsoft.com/office/powerpoint/2010/main" xmlns:p15="http://schemas.microsoft.com/office/powerpoint/2012/main" xmlns:mc="http://schemas.openxmlformats.org/markup-compatibility/2006">
+  <p:cSld>
+    <p:spTree>
+      <p:nvGrpSpPr>
+        <p:cNvPr id="1" name=""/>
+        <p:cNvGrpSpPr/>
+        <p:nvPr/>
+      </p:nvGrpSpPr>
+      <p:grpSpPr>
+        <a:xfrm>
+          <a:off x="0" y="0"/>
+          <a:ext cx="0" cy="0"/>
+          <a:chOff x="0" y="0"/>
+          <a:chExt cx="0" cy="0"/>
+        </a:xfrm>
+      </p:grpSpPr>
+      <p:sp>
+        <p:nvSpPr>
+          <p:cNvPr id="177" name="TextShape 1"/>
+          <p:cNvSpPr txBox="1"/>
+          <p:nvPr/>
+        </p:nvSpPr>
+        <p:spPr>
+          <a:xfrm>
+            <a:off x="504000" y="301320"/>
+            <a:ext cx="9071640" cy="922680"/>
+          </a:xfrm>
+          <a:prstGeom prst="rect">
+            <a:avLst/>
+          </a:prstGeom>
+          <a:noFill/>
+          <a:ln>
+            <a:noFill/>
+          </a:ln>
+        </p:spPr>
+        <p:txBody>
+          <a:bodyPr lIns="0" rIns="0" tIns="0" bIns="0" anchor="ctr">
+            <a:noAutofit/>
+          </a:bodyPr>
+          <a:p>
+            <a:pPr algn="ctr"/>
+            <a:r>
+              <a:rPr b="0" lang="it-IT" sz="4400" spc="-1" strike="noStrike">
+                <a:latin typeface="Arial"/>
+              </a:rPr>
+              <a:t>Chức năng phân quyền người dùng</a:t>
+            </a:r>
+            <a:endParaRPr b="0" lang="it-IT" sz="4400" spc="-1" strike="noStrike">
+              <a:latin typeface="Arial"/>
+            </a:endParaRPr>
+          </a:p>
+        </p:txBody>
+      </p:sp>
+      <p:pic>
+        <p:nvPicPr>
+          <p:cNvPr id="178" name="" descr=""/>
+          <p:cNvPicPr/>
+          <p:nvPr/>
+        </p:nvPicPr>
+        <p:blipFill>
+          <a:blip r:embed="rId1"/>
+          <a:stretch/>
+        </p:blipFill>
+        <p:spPr>
+          <a:xfrm>
+            <a:off x="3474720" y="1584720"/>
+            <a:ext cx="3149280" cy="4816080"/>
+          </a:xfrm>
+          <a:prstGeom prst="rect">
+            <a:avLst/>
+          </a:prstGeom>
+          <a:ln>
+            <a:noFill/>
+          </a:ln>
+        </p:spPr>
+      </p:pic>
+    </p:spTree>
+  </p:cSld>
+  <mc:AlternateContent>
+    <mc:Choice Requires="p14">
+      <p:transition spd="slow" p14:dur="2000"/>
+    </mc:Choice>
+    <mc:Fallback>
+      <p:transition spd="slow"/>
+    </mc:Fallback>
+  </mc:AlternateContent>
+</p:sld>
+</file>
+
+<file path=ppt/slides/slide6.xml><?xml version="1.0" encoding="utf-8"?>
+<p:sld xmlns:a="http://schemas.openxmlformats.org/drawingml/2006/main" xmlns:p="http://schemas.openxmlformats.org/presentationml/2006/main" xmlns:r="http://schemas.openxmlformats.org/officeDocument/2006/relationships" xmlns:p14="http://schemas.microsoft.com/office/powerpoint/2010/main" xmlns:p15="http://schemas.microsoft.com/office/powerpoint/2012/main" xmlns:mc="http://schemas.openxmlformats.org/markup-compatibility/2006">
+  <p:cSld>
+    <p:spTree>
+      <p:nvGrpSpPr>
+        <p:cNvPr id="1" name=""/>
+        <p:cNvGrpSpPr/>
+        <p:nvPr/>
+      </p:nvGrpSpPr>
+      <p:grpSpPr>
+        <a:xfrm>
+          <a:off x="0" y="0"/>
+          <a:ext cx="0" cy="0"/>
+          <a:chOff x="0" y="0"/>
+          <a:chExt cx="0" cy="0"/>
+        </a:xfrm>
+      </p:grpSpPr>
+      <p:sp>
+        <p:nvSpPr>
+          <p:cNvPr id="179" name="TextShape 1"/>
+          <p:cNvSpPr txBox="1"/>
+          <p:nvPr/>
+        </p:nvSpPr>
+        <p:spPr>
+          <a:xfrm>
+            <a:off x="504000" y="301320"/>
+            <a:ext cx="9071640" cy="922680"/>
+          </a:xfrm>
+          <a:prstGeom prst="rect">
+            <a:avLst/>
+          </a:prstGeom>
+          <a:noFill/>
+          <a:ln>
+            <a:noFill/>
+          </a:ln>
+        </p:spPr>
+        <p:txBody>
+          <a:bodyPr lIns="0" rIns="0" tIns="0" bIns="0" anchor="ctr">
+            <a:noAutofit/>
+          </a:bodyPr>
+          <a:p>
+            <a:pPr algn="ctr"/>
+            <a:r>
+              <a:rPr b="0" lang="it-IT" sz="4400" spc="-1" strike="noStrike">
+                <a:latin typeface="Arial"/>
+              </a:rPr>
+              <a:t>Chức năng quản lý câu hỏi</a:t>
+            </a:r>
+            <a:endParaRPr b="0" lang="it-IT" sz="4400" spc="-1" strike="noStrike">
+              <a:latin typeface="Arial"/>
+            </a:endParaRPr>
+          </a:p>
+        </p:txBody>
+      </p:sp>
+      <p:pic>
+        <p:nvPicPr>
+          <p:cNvPr id="180" name="" descr=""/>
+          <p:cNvPicPr/>
+          <p:nvPr/>
+        </p:nvPicPr>
+        <p:blipFill>
+          <a:blip r:embed="rId1"/>
+          <a:stretch/>
+        </p:blipFill>
+        <p:spPr>
+          <a:xfrm>
+            <a:off x="1005840" y="2358720"/>
+            <a:ext cx="8067240" cy="3676320"/>
+          </a:xfrm>
+          <a:prstGeom prst="rect">
+            <a:avLst/>
+          </a:prstGeom>
+          <a:ln>
+            <a:noFill/>
+          </a:ln>
+        </p:spPr>
+      </p:pic>
+    </p:spTree>
+  </p:cSld>
+  <mc:AlternateContent>
+    <mc:Choice Requires="p14">
+      <p:transition spd="slow" p14:dur="2000"/>
+    </mc:Choice>
+    <mc:Fallback>
+      <p:transition spd="slow"/>
+    </mc:Fallback>
+  </mc:AlternateContent>
+</p:sld>
+</file>
+
+<file path=ppt/slides/slide7.xml><?xml version="1.0" encoding="utf-8"?>
+<p:sld xmlns:a="http://schemas.openxmlformats.org/drawingml/2006/main" xmlns:p="http://schemas.openxmlformats.org/presentationml/2006/main" xmlns:r="http://schemas.openxmlformats.org/officeDocument/2006/relationships" xmlns:p14="http://schemas.microsoft.com/office/powerpoint/2010/main" xmlns:p15="http://schemas.microsoft.com/office/powerpoint/2012/main" xmlns:mc="http://schemas.openxmlformats.org/markup-compatibility/2006">
+  <p:cSld>
+    <p:spTree>
+      <p:nvGrpSpPr>
+        <p:cNvPr id="1" name=""/>
+        <p:cNvGrpSpPr/>
+        <p:nvPr/>
+      </p:nvGrpSpPr>
+      <p:grpSpPr>
+        <a:xfrm>
+          <a:off x="0" y="0"/>
+          <a:ext cx="0" cy="0"/>
+          <a:chOff x="0" y="0"/>
+          <a:chExt cx="0" cy="0"/>
+        </a:xfrm>
+      </p:grpSpPr>
+      <p:sp>
+        <p:nvSpPr>
+          <p:cNvPr id="181" name="TextShape 1"/>
+          <p:cNvSpPr txBox="1"/>
+          <p:nvPr/>
+        </p:nvSpPr>
+        <p:spPr>
+          <a:xfrm>
+            <a:off x="504000" y="301320"/>
+            <a:ext cx="9071640" cy="922680"/>
+          </a:xfrm>
+          <a:prstGeom prst="rect">
+            <a:avLst/>
+          </a:prstGeom>
+          <a:noFill/>
+          <a:ln>
+            <a:noFill/>
+          </a:ln>
+        </p:spPr>
+        <p:txBody>
+          <a:bodyPr lIns="0" rIns="0" tIns="0" bIns="0" anchor="ctr">
+            <a:noAutofit/>
+          </a:bodyPr>
+          <a:p>
+            <a:pPr algn="ctr"/>
+            <a:r>
+              <a:rPr b="0" lang="it-IT" sz="4400" spc="-1" strike="noStrike">
+                <a:latin typeface="Arial"/>
+              </a:rPr>
+              <a:t>Chức năng quản lý đề thi</a:t>
+            </a:r>
+            <a:endParaRPr b="0" lang="it-IT" sz="4400" spc="-1" strike="noStrike">
+              <a:latin typeface="Arial"/>
+            </a:endParaRPr>
+          </a:p>
+        </p:txBody>
+      </p:sp>
+      <p:pic>
+        <p:nvPicPr>
+          <p:cNvPr id="182" name="" descr=""/>
+          <p:cNvPicPr/>
+          <p:nvPr/>
+        </p:nvPicPr>
+        <p:blipFill>
+          <a:blip r:embed="rId1"/>
+          <a:stretch/>
+        </p:blipFill>
+        <p:spPr>
+          <a:xfrm>
+            <a:off x="2377440" y="1606680"/>
+            <a:ext cx="5303520" cy="4702680"/>
+          </a:xfrm>
+          <a:prstGeom prst="rect">
+            <a:avLst/>
+          </a:prstGeom>
+          <a:ln>
+            <a:noFill/>
+          </a:ln>
+        </p:spPr>
+      </p:pic>
+    </p:spTree>
+  </p:cSld>
+  <mc:AlternateContent>
+    <mc:Choice Requires="p14">
+      <p:transition spd="slow" p14:dur="2000"/>
+    </mc:Choice>
+    <mc:Fallback>
+      <p:transition spd="slow"/>
+    </mc:Fallback>
+  </mc:AlternateContent>
+</p:sld>
+</file>
+
+<file path=ppt/slides/slide8.xml><?xml version="1.0" encoding="utf-8"?>
+<p:sld xmlns:a="http://schemas.openxmlformats.org/drawingml/2006/main" xmlns:p="http://schemas.openxmlformats.org/presentationml/2006/main" xmlns:r="http://schemas.openxmlformats.org/officeDocument/2006/relationships" xmlns:p14="http://schemas.microsoft.com/office/powerpoint/2010/main" xmlns:p15="http://schemas.microsoft.com/office/powerpoint/2012/main" xmlns:mc="http://schemas.openxmlformats.org/markup-compatibility/2006">
+  <p:cSld>
+    <p:spTree>
+      <p:nvGrpSpPr>
+        <p:cNvPr id="1" name=""/>
+        <p:cNvGrpSpPr/>
+        <p:nvPr/>
+      </p:nvGrpSpPr>
+      <p:grpSpPr>
+        <a:xfrm>
+          <a:off x="0" y="0"/>
+          <a:ext cx="0" cy="0"/>
+          <a:chOff x="0" y="0"/>
+          <a:chExt cx="0" cy="0"/>
+        </a:xfrm>
+      </p:grpSpPr>
+      <p:sp>
+        <p:nvSpPr>
+          <p:cNvPr id="183" name="TextShape 1"/>
+          <p:cNvSpPr txBox="1"/>
+          <p:nvPr/>
+        </p:nvSpPr>
+        <p:spPr>
+          <a:xfrm>
+            <a:off x="504000" y="301320"/>
+            <a:ext cx="9071640" cy="922680"/>
+          </a:xfrm>
+          <a:prstGeom prst="rect">
+            <a:avLst/>
+          </a:prstGeom>
+          <a:noFill/>
+          <a:ln>
+            <a:noFill/>
+          </a:ln>
+        </p:spPr>
+        <p:txBody>
+          <a:bodyPr lIns="0" rIns="0" tIns="0" bIns="0" anchor="ctr">
+            <a:noAutofit/>
+          </a:bodyPr>
+          <a:p>
+            <a:pPr algn="ctr"/>
+            <a:r>
+              <a:rPr b="0" lang="it-IT" sz="4400" spc="-1" strike="noStrike">
+                <a:latin typeface="Arial"/>
+              </a:rPr>
+              <a:t>Chức năng làm bài thi</a:t>
+            </a:r>
+            <a:endParaRPr b="0" lang="it-IT" sz="4400" spc="-1" strike="noStrike">
+              <a:latin typeface="Arial"/>
+            </a:endParaRPr>
+          </a:p>
+        </p:txBody>
+      </p:sp>
+      <p:pic>
+        <p:nvPicPr>
+          <p:cNvPr id="184" name="" descr=""/>
+          <p:cNvPicPr/>
+          <p:nvPr/>
+        </p:nvPicPr>
+        <p:blipFill>
+          <a:blip r:embed="rId1"/>
+          <a:stretch/>
+        </p:blipFill>
+        <p:spPr>
+          <a:xfrm>
+            <a:off x="2926080" y="1310400"/>
+            <a:ext cx="4289760" cy="4998960"/>
+          </a:xfrm>
+          <a:prstGeom prst="rect">
+            <a:avLst/>
+          </a:prstGeom>
+          <a:ln>
+            <a:noFill/>
+          </a:ln>
+        </p:spPr>
+      </p:pic>
+    </p:spTree>
+  </p:cSld>
+  <mc:AlternateContent>
+    <mc:Choice Requires="p14">
+      <p:transition spd="slow" p14:dur="2000"/>
+    </mc:Choice>
+    <mc:Fallback>
+      <p:transition spd="slow"/>
+    </mc:Fallback>
+  </mc:AlternateContent>
+</p:sld>
+</file>
+
+<file path=ppt/slides/slide9.xml><?xml version="1.0" encoding="utf-8"?>
+<p:sld xmlns:a="http://schemas.openxmlformats.org/drawingml/2006/main" xmlns:p="http://schemas.openxmlformats.org/presentationml/2006/main" xmlns:r="http://schemas.openxmlformats.org/officeDocument/2006/relationships" xmlns:p14="http://schemas.microsoft.com/office/powerpoint/2010/main" xmlns:p15="http://schemas.microsoft.com/office/powerpoint/2012/main" xmlns:mc="http://schemas.openxmlformats.org/markup-compatibility/2006">
+  <p:cSld>
+    <p:spTree>
+      <p:nvGrpSpPr>
+        <p:cNvPr id="1" name=""/>
+        <p:cNvGrpSpPr/>
+        <p:nvPr/>
+      </p:nvGrpSpPr>
+      <p:grpSpPr>
+        <a:xfrm>
+          <a:off x="0" y="0"/>
+          <a:ext cx="0" cy="0"/>
+          <a:chOff x="0" y="0"/>
+          <a:chExt cx="0" cy="0"/>
+        </a:xfrm>
+      </p:grpSpPr>
+      <p:sp>
+        <p:nvSpPr>
+          <p:cNvPr id="185" name="TextShape 1"/>
+          <p:cNvSpPr txBox="1"/>
+          <p:nvPr/>
+        </p:nvSpPr>
+        <p:spPr>
+          <a:xfrm>
+            <a:off x="504000" y="301320"/>
+            <a:ext cx="9071640" cy="922680"/>
+          </a:xfrm>
+          <a:prstGeom prst="rect">
+            <a:avLst/>
+          </a:prstGeom>
+          <a:noFill/>
+          <a:ln>
+            <a:noFill/>
+          </a:ln>
+        </p:spPr>
+        <p:txBody>
+          <a:bodyPr lIns="0" rIns="0" tIns="0" bIns="0" anchor="ctr">
+            <a:noAutofit/>
+          </a:bodyPr>
+          <a:p>
+            <a:pPr algn="ctr"/>
+            <a:r>
+              <a:rPr b="0" lang="it-IT" sz="4400" spc="-1" strike="noStrike">
+                <a:latin typeface="Arial"/>
+              </a:rPr>
+              <a:t>Chức năng quản lý lịch sử thi</a:t>
+            </a:r>
+            <a:endParaRPr b="0" lang="it-IT" sz="4400" spc="-1" strike="noStrike">
+              <a:latin typeface="Arial"/>
+            </a:endParaRPr>
+          </a:p>
+        </p:txBody>
+      </p:sp>
+      <p:pic>
+        <p:nvPicPr>
+          <p:cNvPr id="186" name="" descr=""/>
+          <p:cNvPicPr/>
+          <p:nvPr/>
+        </p:nvPicPr>
+        <p:blipFill>
+          <a:blip r:embed="rId1"/>
+          <a:stretch/>
+        </p:blipFill>
+        <p:spPr>
+          <a:xfrm>
+            <a:off x="2926080" y="1355040"/>
+            <a:ext cx="4206240" cy="4954320"/>
+          </a:xfrm>
+          <a:prstGeom prst="rect">
+            <a:avLst/>
+          </a:prstGeom>
+          <a:ln>
+            <a:noFill/>
+          </a:ln>
+        </p:spPr>
+      </p:pic>
     </p:spTree>
   </p:cSld>
   <mc:AlternateContent>

--- a/report/slide.pptx
+++ b/report/slide.pptx
@@ -21,6 +21,15 @@
     <p:sldId id="266" r:id="rId16"/>
     <p:sldId id="267" r:id="rId17"/>
     <p:sldId id="268" r:id="rId18"/>
+    <p:sldId id="269" r:id="rId19"/>
+    <p:sldId id="270" r:id="rId20"/>
+    <p:sldId id="271" r:id="rId21"/>
+    <p:sldId id="272" r:id="rId22"/>
+    <p:sldId id="273" r:id="rId23"/>
+    <p:sldId id="274" r:id="rId24"/>
+    <p:sldId id="275" r:id="rId25"/>
+    <p:sldId id="276" r:id="rId26"/>
+    <p:sldId id="277" r:id="rId27"/>
   </p:sldIdLst>
   <p:sldSz cx="10080625" cy="7559675"/>
   <p:notesSz cx="7559675" cy="10691812"/>
@@ -5792,7 +5801,7 @@
           </a:bodyPr>
           <a:p>
             <a:pPr algn="r"/>
-            <a:fld id="{6767F15C-2DF6-4257-87DE-81AE2262F287}" type="slidenum">
+            <a:fld id="{EC58078C-486F-47F9-B752-D904C46D6AA0}" type="slidenum">
               <a:rPr b="0" lang="it-IT" sz="1400" spc="-1" strike="noStrike">
                 <a:latin typeface="Times New Roman"/>
               </a:rPr>
@@ -6165,7 +6174,7 @@
           </a:bodyPr>
           <a:p>
             <a:pPr algn="r"/>
-            <a:fld id="{8516110E-A202-43EE-9E2D-EF875F462A98}" type="slidenum">
+            <a:fld id="{4E074BCE-6934-44F9-896C-452ADD68439B}" type="slidenum">
               <a:rPr b="0" lang="it-IT" sz="1400" spc="-1" strike="noStrike">
                 <a:latin typeface="Times New Roman"/>
               </a:rPr>
@@ -6538,7 +6547,7 @@
           </a:bodyPr>
           <a:p>
             <a:pPr algn="r"/>
-            <a:fld id="{EE6A2EE2-0FEE-4C4B-9234-DC06B3562D7A}" type="slidenum">
+            <a:fld id="{BECD31C7-613D-4038-A8BA-5A8FB48C54DB}" type="slidenum">
               <a:rPr b="0" lang="it-IT" sz="1400" spc="-1" strike="noStrike">
                 <a:latin typeface="Times New Roman"/>
               </a:rPr>
@@ -6911,7 +6920,7 @@
           </a:bodyPr>
           <a:p>
             <a:pPr algn="r"/>
-            <a:fld id="{FD48AE4A-0816-41BB-9BFD-18937FD5B925}" type="slidenum">
+            <a:fld id="{DEB67034-338F-4EFF-8970-80D3640B79C6}" type="slidenum">
               <a:rPr b="0" lang="it-IT" sz="1400" spc="-1" strike="noStrike">
                 <a:latin typeface="Times New Roman"/>
               </a:rPr>
@@ -7844,6 +7853,768 @@
           <a:xfrm>
             <a:off x="5353920" y="2054520"/>
             <a:ext cx="4045680" cy="4450320"/>
+          </a:xfrm>
+          <a:prstGeom prst="rect">
+            <a:avLst/>
+          </a:prstGeom>
+          <a:ln>
+            <a:noFill/>
+          </a:ln>
+        </p:spPr>
+      </p:pic>
+    </p:spTree>
+  </p:cSld>
+  <mc:AlternateContent>
+    <mc:Choice Requires="p14">
+      <p:transition spd="slow" p14:dur="2000"/>
+    </mc:Choice>
+    <mc:Fallback>
+      <p:transition spd="slow"/>
+    </mc:Fallback>
+  </mc:AlternateContent>
+</p:sld>
+</file>
+
+<file path=ppt/slides/slide14.xml><?xml version="1.0" encoding="utf-8"?>
+<p:sld xmlns:a="http://schemas.openxmlformats.org/drawingml/2006/main" xmlns:p="http://schemas.openxmlformats.org/presentationml/2006/main" xmlns:r="http://schemas.openxmlformats.org/officeDocument/2006/relationships" xmlns:p14="http://schemas.microsoft.com/office/powerpoint/2010/main" xmlns:p15="http://schemas.microsoft.com/office/powerpoint/2012/main" xmlns:mc="http://schemas.openxmlformats.org/markup-compatibility/2006">
+  <p:cSld>
+    <p:spTree>
+      <p:nvGrpSpPr>
+        <p:cNvPr id="1" name=""/>
+        <p:cNvGrpSpPr/>
+        <p:nvPr/>
+      </p:nvGrpSpPr>
+      <p:grpSpPr>
+        <a:xfrm>
+          <a:off x="0" y="0"/>
+          <a:ext cx="0" cy="0"/>
+          <a:chOff x="0" y="0"/>
+          <a:chExt cx="0" cy="0"/>
+        </a:xfrm>
+      </p:grpSpPr>
+      <p:sp>
+        <p:nvSpPr>
+          <p:cNvPr id="197" name="TextShape 1"/>
+          <p:cNvSpPr txBox="1"/>
+          <p:nvPr/>
+        </p:nvSpPr>
+        <p:spPr>
+          <a:xfrm>
+            <a:off x="504000" y="301320"/>
+            <a:ext cx="9071640" cy="922680"/>
+          </a:xfrm>
+          <a:prstGeom prst="rect">
+            <a:avLst/>
+          </a:prstGeom>
+          <a:noFill/>
+          <a:ln>
+            <a:noFill/>
+          </a:ln>
+        </p:spPr>
+        <p:txBody>
+          <a:bodyPr lIns="0" rIns="0" tIns="0" bIns="0" anchor="ctr">
+            <a:noAutofit/>
+          </a:bodyPr>
+          <a:p>
+            <a:pPr algn="ctr"/>
+            <a:r>
+              <a:rPr b="0" lang="it-IT" sz="4400" spc="-1" strike="noStrike">
+                <a:latin typeface="Arial"/>
+              </a:rPr>
+              <a:t>Một số hình ảnh</a:t>
+            </a:r>
+            <a:endParaRPr b="0" lang="it-IT" sz="4400" spc="-1" strike="noStrike">
+              <a:latin typeface="Arial"/>
+            </a:endParaRPr>
+          </a:p>
+        </p:txBody>
+      </p:sp>
+      <p:sp>
+        <p:nvSpPr>
+          <p:cNvPr id="198" name="TextShape 2"/>
+          <p:cNvSpPr txBox="1"/>
+          <p:nvPr/>
+        </p:nvSpPr>
+        <p:spPr>
+          <a:xfrm>
+            <a:off x="1828800" y="5760720"/>
+            <a:ext cx="6400800" cy="402840"/>
+          </a:xfrm>
+          <a:prstGeom prst="rect">
+            <a:avLst/>
+          </a:prstGeom>
+          <a:noFill/>
+          <a:ln>
+            <a:noFill/>
+          </a:ln>
+        </p:spPr>
+        <p:txBody>
+          <a:bodyPr lIns="90000" rIns="90000" tIns="45000" bIns="45000">
+            <a:noAutofit/>
+          </a:bodyPr>
+          <a:p>
+            <a:pPr algn="ctr"/>
+            <a:r>
+              <a:rPr b="0" lang="it-IT" sz="2200" spc="-1" strike="noStrike">
+                <a:latin typeface="Arial"/>
+              </a:rPr>
+              <a:t>Hiển thị danh sách câu hỏi</a:t>
+            </a:r>
+            <a:endParaRPr b="0" lang="it-IT" sz="2200" spc="-1" strike="noStrike">
+              <a:latin typeface="Arial"/>
+            </a:endParaRPr>
+          </a:p>
+        </p:txBody>
+      </p:sp>
+      <p:pic>
+        <p:nvPicPr>
+          <p:cNvPr id="199" name="" descr=""/>
+          <p:cNvPicPr/>
+          <p:nvPr/>
+        </p:nvPicPr>
+        <p:blipFill>
+          <a:blip r:embed="rId1"/>
+          <a:stretch/>
+        </p:blipFill>
+        <p:spPr>
+          <a:xfrm>
+            <a:off x="640080" y="1224000"/>
+            <a:ext cx="9025200" cy="4353840"/>
+          </a:xfrm>
+          <a:prstGeom prst="rect">
+            <a:avLst/>
+          </a:prstGeom>
+          <a:ln>
+            <a:noFill/>
+          </a:ln>
+        </p:spPr>
+      </p:pic>
+    </p:spTree>
+  </p:cSld>
+  <mc:AlternateContent>
+    <mc:Choice Requires="p14">
+      <p:transition spd="slow" p14:dur="2000"/>
+    </mc:Choice>
+    <mc:Fallback>
+      <p:transition spd="slow"/>
+    </mc:Fallback>
+  </mc:AlternateContent>
+</p:sld>
+</file>
+
+<file path=ppt/slides/slide15.xml><?xml version="1.0" encoding="utf-8"?>
+<p:sld xmlns:a="http://schemas.openxmlformats.org/drawingml/2006/main" xmlns:p="http://schemas.openxmlformats.org/presentationml/2006/main" xmlns:r="http://schemas.openxmlformats.org/officeDocument/2006/relationships" xmlns:p14="http://schemas.microsoft.com/office/powerpoint/2010/main" xmlns:p15="http://schemas.microsoft.com/office/powerpoint/2012/main" xmlns:mc="http://schemas.openxmlformats.org/markup-compatibility/2006">
+  <p:cSld>
+    <p:spTree>
+      <p:nvGrpSpPr>
+        <p:cNvPr id="1" name=""/>
+        <p:cNvGrpSpPr/>
+        <p:nvPr/>
+      </p:nvGrpSpPr>
+      <p:grpSpPr>
+        <a:xfrm>
+          <a:off x="0" y="0"/>
+          <a:ext cx="0" cy="0"/>
+          <a:chOff x="0" y="0"/>
+          <a:chExt cx="0" cy="0"/>
+        </a:xfrm>
+      </p:grpSpPr>
+      <p:sp>
+        <p:nvSpPr>
+          <p:cNvPr id="200" name="TextShape 1"/>
+          <p:cNvSpPr txBox="1"/>
+          <p:nvPr/>
+        </p:nvSpPr>
+        <p:spPr>
+          <a:xfrm>
+            <a:off x="504000" y="301320"/>
+            <a:ext cx="9071640" cy="922680"/>
+          </a:xfrm>
+          <a:prstGeom prst="rect">
+            <a:avLst/>
+          </a:prstGeom>
+          <a:noFill/>
+          <a:ln>
+            <a:noFill/>
+          </a:ln>
+        </p:spPr>
+        <p:txBody>
+          <a:bodyPr lIns="0" rIns="0" tIns="0" bIns="0" anchor="ctr">
+            <a:noAutofit/>
+          </a:bodyPr>
+          <a:p>
+            <a:pPr algn="ctr"/>
+            <a:r>
+              <a:rPr b="0" lang="it-IT" sz="4400" spc="-1" strike="noStrike">
+                <a:latin typeface="Arial"/>
+              </a:rPr>
+              <a:t>Một số hình ảnh</a:t>
+            </a:r>
+            <a:endParaRPr b="0" lang="it-IT" sz="4400" spc="-1" strike="noStrike">
+              <a:latin typeface="Arial"/>
+            </a:endParaRPr>
+          </a:p>
+        </p:txBody>
+      </p:sp>
+      <p:pic>
+        <p:nvPicPr>
+          <p:cNvPr id="201" name="" descr=""/>
+          <p:cNvPicPr/>
+          <p:nvPr/>
+        </p:nvPicPr>
+        <p:blipFill>
+          <a:blip r:embed="rId1"/>
+          <a:stretch/>
+        </p:blipFill>
+        <p:spPr>
+          <a:xfrm>
+            <a:off x="739800" y="1532520"/>
+            <a:ext cx="8769960" cy="4228200"/>
+          </a:xfrm>
+          <a:prstGeom prst="rect">
+            <a:avLst/>
+          </a:prstGeom>
+          <a:ln>
+            <a:noFill/>
+          </a:ln>
+        </p:spPr>
+      </p:pic>
+      <p:sp>
+        <p:nvSpPr>
+          <p:cNvPr id="202" name="TextShape 2"/>
+          <p:cNvSpPr txBox="1"/>
+          <p:nvPr/>
+        </p:nvSpPr>
+        <p:spPr>
+          <a:xfrm>
+            <a:off x="1828800" y="5871600"/>
+            <a:ext cx="6400800" cy="402840"/>
+          </a:xfrm>
+          <a:prstGeom prst="rect">
+            <a:avLst/>
+          </a:prstGeom>
+          <a:noFill/>
+          <a:ln>
+            <a:noFill/>
+          </a:ln>
+        </p:spPr>
+        <p:txBody>
+          <a:bodyPr lIns="90000" rIns="90000" tIns="45000" bIns="45000">
+            <a:noAutofit/>
+          </a:bodyPr>
+          <a:p>
+            <a:pPr algn="ctr"/>
+            <a:r>
+              <a:rPr b="0" lang="it-IT" sz="2200" spc="-1" strike="noStrike">
+                <a:latin typeface="Arial"/>
+              </a:rPr>
+              <a:t>Tạo câu hỏi</a:t>
+            </a:r>
+            <a:endParaRPr b="0" lang="it-IT" sz="2200" spc="-1" strike="noStrike">
+              <a:latin typeface="Arial"/>
+            </a:endParaRPr>
+          </a:p>
+        </p:txBody>
+      </p:sp>
+    </p:spTree>
+  </p:cSld>
+  <mc:AlternateContent>
+    <mc:Choice Requires="p14">
+      <p:transition spd="slow" p14:dur="2000"/>
+    </mc:Choice>
+    <mc:Fallback>
+      <p:transition spd="slow"/>
+    </mc:Fallback>
+  </mc:AlternateContent>
+</p:sld>
+</file>
+
+<file path=ppt/slides/slide16.xml><?xml version="1.0" encoding="utf-8"?>
+<p:sld xmlns:a="http://schemas.openxmlformats.org/drawingml/2006/main" xmlns:p="http://schemas.openxmlformats.org/presentationml/2006/main" xmlns:r="http://schemas.openxmlformats.org/officeDocument/2006/relationships" xmlns:p14="http://schemas.microsoft.com/office/powerpoint/2010/main" xmlns:p15="http://schemas.microsoft.com/office/powerpoint/2012/main" xmlns:mc="http://schemas.openxmlformats.org/markup-compatibility/2006">
+  <p:cSld>
+    <p:spTree>
+      <p:nvGrpSpPr>
+        <p:cNvPr id="1" name=""/>
+        <p:cNvGrpSpPr/>
+        <p:nvPr/>
+      </p:nvGrpSpPr>
+      <p:grpSpPr>
+        <a:xfrm>
+          <a:off x="0" y="0"/>
+          <a:ext cx="0" cy="0"/>
+          <a:chOff x="0" y="0"/>
+          <a:chExt cx="0" cy="0"/>
+        </a:xfrm>
+      </p:grpSpPr>
+      <p:sp>
+        <p:nvSpPr>
+          <p:cNvPr id="203" name="TextShape 1"/>
+          <p:cNvSpPr txBox="1"/>
+          <p:nvPr/>
+        </p:nvSpPr>
+        <p:spPr>
+          <a:xfrm>
+            <a:off x="504000" y="301320"/>
+            <a:ext cx="9071640" cy="922680"/>
+          </a:xfrm>
+          <a:prstGeom prst="rect">
+            <a:avLst/>
+          </a:prstGeom>
+          <a:noFill/>
+          <a:ln>
+            <a:noFill/>
+          </a:ln>
+        </p:spPr>
+        <p:txBody>
+          <a:bodyPr lIns="0" rIns="0" tIns="0" bIns="0" anchor="ctr">
+            <a:noAutofit/>
+          </a:bodyPr>
+          <a:p>
+            <a:pPr algn="ctr"/>
+            <a:r>
+              <a:rPr b="0" lang="it-IT" sz="4400" spc="-1" strike="noStrike">
+                <a:latin typeface="Arial"/>
+              </a:rPr>
+              <a:t>Một số hình ảnh</a:t>
+            </a:r>
+            <a:endParaRPr b="0" lang="it-IT" sz="4400" spc="-1" strike="noStrike">
+              <a:latin typeface="Arial"/>
+            </a:endParaRPr>
+          </a:p>
+        </p:txBody>
+      </p:sp>
+      <p:sp>
+        <p:nvSpPr>
+          <p:cNvPr id="204" name="TextShape 2"/>
+          <p:cNvSpPr txBox="1"/>
+          <p:nvPr/>
+        </p:nvSpPr>
+        <p:spPr>
+          <a:xfrm>
+            <a:off x="1828800" y="5871600"/>
+            <a:ext cx="6400800" cy="402840"/>
+          </a:xfrm>
+          <a:prstGeom prst="rect">
+            <a:avLst/>
+          </a:prstGeom>
+          <a:noFill/>
+          <a:ln>
+            <a:noFill/>
+          </a:ln>
+        </p:spPr>
+        <p:txBody>
+          <a:bodyPr lIns="90000" rIns="90000" tIns="45000" bIns="45000">
+            <a:noAutofit/>
+          </a:bodyPr>
+          <a:p>
+            <a:pPr algn="ctr"/>
+            <a:r>
+              <a:rPr b="0" lang="it-IT" sz="2200" spc="-1" strike="noStrike">
+                <a:latin typeface="Arial"/>
+              </a:rPr>
+              <a:t>Hiển thị danh sách đề thi</a:t>
+            </a:r>
+            <a:endParaRPr b="0" lang="it-IT" sz="2200" spc="-1" strike="noStrike">
+              <a:latin typeface="Arial"/>
+            </a:endParaRPr>
+          </a:p>
+        </p:txBody>
+      </p:sp>
+      <p:pic>
+        <p:nvPicPr>
+          <p:cNvPr id="205" name="" descr=""/>
+          <p:cNvPicPr/>
+          <p:nvPr/>
+        </p:nvPicPr>
+        <p:blipFill>
+          <a:blip r:embed="rId1"/>
+          <a:stretch/>
+        </p:blipFill>
+        <p:spPr>
+          <a:xfrm>
+            <a:off x="386640" y="1280160"/>
+            <a:ext cx="9306000" cy="4449240"/>
+          </a:xfrm>
+          <a:prstGeom prst="rect">
+            <a:avLst/>
+          </a:prstGeom>
+          <a:ln>
+            <a:noFill/>
+          </a:ln>
+        </p:spPr>
+      </p:pic>
+    </p:spTree>
+  </p:cSld>
+  <mc:AlternateContent>
+    <mc:Choice Requires="p14">
+      <p:transition spd="slow" p14:dur="2000"/>
+    </mc:Choice>
+    <mc:Fallback>
+      <p:transition spd="slow"/>
+    </mc:Fallback>
+  </mc:AlternateContent>
+</p:sld>
+</file>
+
+<file path=ppt/slides/slide17.xml><?xml version="1.0" encoding="utf-8"?>
+<p:sld xmlns:a="http://schemas.openxmlformats.org/drawingml/2006/main" xmlns:p="http://schemas.openxmlformats.org/presentationml/2006/main" xmlns:r="http://schemas.openxmlformats.org/officeDocument/2006/relationships" xmlns:p14="http://schemas.microsoft.com/office/powerpoint/2010/main" xmlns:p15="http://schemas.microsoft.com/office/powerpoint/2012/main" xmlns:mc="http://schemas.openxmlformats.org/markup-compatibility/2006">
+  <p:cSld>
+    <p:spTree>
+      <p:nvGrpSpPr>
+        <p:cNvPr id="1" name=""/>
+        <p:cNvGrpSpPr/>
+        <p:nvPr/>
+      </p:nvGrpSpPr>
+      <p:grpSpPr>
+        <a:xfrm>
+          <a:off x="0" y="0"/>
+          <a:ext cx="0" cy="0"/>
+          <a:chOff x="0" y="0"/>
+          <a:chExt cx="0" cy="0"/>
+        </a:xfrm>
+      </p:grpSpPr>
+      <p:sp>
+        <p:nvSpPr>
+          <p:cNvPr id="206" name="TextShape 1"/>
+          <p:cNvSpPr txBox="1"/>
+          <p:nvPr/>
+        </p:nvSpPr>
+        <p:spPr>
+          <a:xfrm>
+            <a:off x="504000" y="301320"/>
+            <a:ext cx="9071640" cy="922680"/>
+          </a:xfrm>
+          <a:prstGeom prst="rect">
+            <a:avLst/>
+          </a:prstGeom>
+          <a:noFill/>
+          <a:ln>
+            <a:noFill/>
+          </a:ln>
+        </p:spPr>
+        <p:txBody>
+          <a:bodyPr lIns="0" rIns="0" tIns="0" bIns="0" anchor="ctr">
+            <a:noAutofit/>
+          </a:bodyPr>
+          <a:p>
+            <a:pPr algn="ctr"/>
+            <a:r>
+              <a:rPr b="0" lang="it-IT" sz="4400" spc="-1" strike="noStrike">
+                <a:latin typeface="Arial"/>
+              </a:rPr>
+              <a:t>Một số hình ảnh</a:t>
+            </a:r>
+            <a:endParaRPr b="0" lang="it-IT" sz="4400" spc="-1" strike="noStrike">
+              <a:latin typeface="Arial"/>
+            </a:endParaRPr>
+          </a:p>
+        </p:txBody>
+      </p:sp>
+      <p:sp>
+        <p:nvSpPr>
+          <p:cNvPr id="207" name="TextShape 2"/>
+          <p:cNvSpPr txBox="1"/>
+          <p:nvPr/>
+        </p:nvSpPr>
+        <p:spPr>
+          <a:xfrm>
+            <a:off x="1828800" y="5871600"/>
+            <a:ext cx="6400800" cy="402840"/>
+          </a:xfrm>
+          <a:prstGeom prst="rect">
+            <a:avLst/>
+          </a:prstGeom>
+          <a:noFill/>
+          <a:ln>
+            <a:noFill/>
+          </a:ln>
+        </p:spPr>
+        <p:txBody>
+          <a:bodyPr lIns="90000" rIns="90000" tIns="45000" bIns="45000">
+            <a:noAutofit/>
+          </a:bodyPr>
+          <a:p>
+            <a:pPr algn="ctr"/>
+            <a:r>
+              <a:rPr b="0" lang="it-IT" sz="2200" spc="-1" strike="noStrike">
+                <a:latin typeface="Arial"/>
+              </a:rPr>
+              <a:t>Tạo đề thi</a:t>
+            </a:r>
+            <a:endParaRPr b="0" lang="it-IT" sz="2200" spc="-1" strike="noStrike">
+              <a:latin typeface="Arial"/>
+            </a:endParaRPr>
+          </a:p>
+        </p:txBody>
+      </p:sp>
+      <p:pic>
+        <p:nvPicPr>
+          <p:cNvPr id="208" name="" descr=""/>
+          <p:cNvPicPr/>
+          <p:nvPr/>
+        </p:nvPicPr>
+        <p:blipFill>
+          <a:blip r:embed="rId1"/>
+          <a:stretch/>
+        </p:blipFill>
+        <p:spPr>
+          <a:xfrm>
+            <a:off x="457200" y="1280160"/>
+            <a:ext cx="9306000" cy="4456080"/>
+          </a:xfrm>
+          <a:prstGeom prst="rect">
+            <a:avLst/>
+          </a:prstGeom>
+          <a:ln>
+            <a:noFill/>
+          </a:ln>
+        </p:spPr>
+      </p:pic>
+    </p:spTree>
+  </p:cSld>
+  <mc:AlternateContent>
+    <mc:Choice Requires="p14">
+      <p:transition spd="slow" p14:dur="2000"/>
+    </mc:Choice>
+    <mc:Fallback>
+      <p:transition spd="slow"/>
+    </mc:Fallback>
+  </mc:AlternateContent>
+</p:sld>
+</file>
+
+<file path=ppt/slides/slide18.xml><?xml version="1.0" encoding="utf-8"?>
+<p:sld xmlns:a="http://schemas.openxmlformats.org/drawingml/2006/main" xmlns:p="http://schemas.openxmlformats.org/presentationml/2006/main" xmlns:r="http://schemas.openxmlformats.org/officeDocument/2006/relationships" xmlns:p14="http://schemas.microsoft.com/office/powerpoint/2010/main" xmlns:p15="http://schemas.microsoft.com/office/powerpoint/2012/main" xmlns:mc="http://schemas.openxmlformats.org/markup-compatibility/2006">
+  <p:cSld>
+    <p:spTree>
+      <p:nvGrpSpPr>
+        <p:cNvPr id="1" name=""/>
+        <p:cNvGrpSpPr/>
+        <p:nvPr/>
+      </p:nvGrpSpPr>
+      <p:grpSpPr>
+        <a:xfrm>
+          <a:off x="0" y="0"/>
+          <a:ext cx="0" cy="0"/>
+          <a:chOff x="0" y="0"/>
+          <a:chExt cx="0" cy="0"/>
+        </a:xfrm>
+      </p:grpSpPr>
+      <p:sp>
+        <p:nvSpPr>
+          <p:cNvPr id="209" name="TextShape 1"/>
+          <p:cNvSpPr txBox="1"/>
+          <p:nvPr/>
+        </p:nvSpPr>
+        <p:spPr>
+          <a:xfrm>
+            <a:off x="504000" y="301320"/>
+            <a:ext cx="9071640" cy="922680"/>
+          </a:xfrm>
+          <a:prstGeom prst="rect">
+            <a:avLst/>
+          </a:prstGeom>
+          <a:noFill/>
+          <a:ln>
+            <a:noFill/>
+          </a:ln>
+        </p:spPr>
+        <p:txBody>
+          <a:bodyPr lIns="0" rIns="0" tIns="0" bIns="0" anchor="ctr">
+            <a:noAutofit/>
+          </a:bodyPr>
+          <a:p>
+            <a:pPr algn="ctr"/>
+            <a:r>
+              <a:rPr b="0" lang="it-IT" sz="4400" spc="-1" strike="noStrike">
+                <a:latin typeface="Arial"/>
+              </a:rPr>
+              <a:t>Một số hình ảnh</a:t>
+            </a:r>
+            <a:endParaRPr b="0" lang="it-IT" sz="4400" spc="-1" strike="noStrike">
+              <a:latin typeface="Arial"/>
+            </a:endParaRPr>
+          </a:p>
+        </p:txBody>
+      </p:sp>
+      <p:sp>
+        <p:nvSpPr>
+          <p:cNvPr id="210" name="TextShape 2"/>
+          <p:cNvSpPr txBox="1"/>
+          <p:nvPr/>
+        </p:nvSpPr>
+        <p:spPr>
+          <a:xfrm>
+            <a:off x="1828800" y="5871600"/>
+            <a:ext cx="6400800" cy="402840"/>
+          </a:xfrm>
+          <a:prstGeom prst="rect">
+            <a:avLst/>
+          </a:prstGeom>
+          <a:noFill/>
+          <a:ln>
+            <a:noFill/>
+          </a:ln>
+        </p:spPr>
+        <p:txBody>
+          <a:bodyPr lIns="90000" rIns="90000" tIns="45000" bIns="45000">
+            <a:noAutofit/>
+          </a:bodyPr>
+          <a:p>
+            <a:pPr algn="ctr"/>
+            <a:r>
+              <a:rPr b="0" lang="it-IT" sz="2200" spc="-1" strike="noStrike">
+                <a:latin typeface="Arial"/>
+              </a:rPr>
+              <a:t>Danh sách bài thi cho học sinh</a:t>
+            </a:r>
+            <a:endParaRPr b="0" lang="it-IT" sz="2200" spc="-1" strike="noStrike">
+              <a:latin typeface="Arial"/>
+            </a:endParaRPr>
+          </a:p>
+        </p:txBody>
+      </p:sp>
+      <p:pic>
+        <p:nvPicPr>
+          <p:cNvPr id="211" name="" descr=""/>
+          <p:cNvPicPr/>
+          <p:nvPr/>
+        </p:nvPicPr>
+        <p:blipFill>
+          <a:blip r:embed="rId1"/>
+          <a:stretch/>
+        </p:blipFill>
+        <p:spPr>
+          <a:xfrm>
+            <a:off x="780840" y="1554480"/>
+            <a:ext cx="8546040" cy="4103640"/>
+          </a:xfrm>
+          <a:prstGeom prst="rect">
+            <a:avLst/>
+          </a:prstGeom>
+          <a:ln>
+            <a:noFill/>
+          </a:ln>
+        </p:spPr>
+      </p:pic>
+    </p:spTree>
+  </p:cSld>
+  <mc:AlternateContent>
+    <mc:Choice Requires="p14">
+      <p:transition spd="slow" p14:dur="2000"/>
+    </mc:Choice>
+    <mc:Fallback>
+      <p:transition spd="slow"/>
+    </mc:Fallback>
+  </mc:AlternateContent>
+</p:sld>
+</file>
+
+<file path=ppt/slides/slide19.xml><?xml version="1.0" encoding="utf-8"?>
+<p:sld xmlns:a="http://schemas.openxmlformats.org/drawingml/2006/main" xmlns:p="http://schemas.openxmlformats.org/presentationml/2006/main" xmlns:r="http://schemas.openxmlformats.org/officeDocument/2006/relationships" xmlns:p14="http://schemas.microsoft.com/office/powerpoint/2010/main" xmlns:p15="http://schemas.microsoft.com/office/powerpoint/2012/main" xmlns:mc="http://schemas.openxmlformats.org/markup-compatibility/2006">
+  <p:cSld>
+    <p:spTree>
+      <p:nvGrpSpPr>
+        <p:cNvPr id="1" name=""/>
+        <p:cNvGrpSpPr/>
+        <p:nvPr/>
+      </p:nvGrpSpPr>
+      <p:grpSpPr>
+        <a:xfrm>
+          <a:off x="0" y="0"/>
+          <a:ext cx="0" cy="0"/>
+          <a:chOff x="0" y="0"/>
+          <a:chExt cx="0" cy="0"/>
+        </a:xfrm>
+      </p:grpSpPr>
+      <p:sp>
+        <p:nvSpPr>
+          <p:cNvPr id="212" name="TextShape 1"/>
+          <p:cNvSpPr txBox="1"/>
+          <p:nvPr/>
+        </p:nvSpPr>
+        <p:spPr>
+          <a:xfrm>
+            <a:off x="504000" y="301320"/>
+            <a:ext cx="9071640" cy="922680"/>
+          </a:xfrm>
+          <a:prstGeom prst="rect">
+            <a:avLst/>
+          </a:prstGeom>
+          <a:noFill/>
+          <a:ln>
+            <a:noFill/>
+          </a:ln>
+        </p:spPr>
+        <p:txBody>
+          <a:bodyPr lIns="0" rIns="0" tIns="0" bIns="0" anchor="ctr">
+            <a:noAutofit/>
+          </a:bodyPr>
+          <a:p>
+            <a:pPr algn="ctr"/>
+            <a:r>
+              <a:rPr b="0" lang="it-IT" sz="4400" spc="-1" strike="noStrike">
+                <a:latin typeface="Arial"/>
+              </a:rPr>
+              <a:t>Một số hình ảnh</a:t>
+            </a:r>
+            <a:endParaRPr b="0" lang="it-IT" sz="4400" spc="-1" strike="noStrike">
+              <a:latin typeface="Arial"/>
+            </a:endParaRPr>
+          </a:p>
+        </p:txBody>
+      </p:sp>
+      <p:sp>
+        <p:nvSpPr>
+          <p:cNvPr id="213" name="TextShape 2"/>
+          <p:cNvSpPr txBox="1"/>
+          <p:nvPr/>
+        </p:nvSpPr>
+        <p:spPr>
+          <a:xfrm>
+            <a:off x="1828800" y="5871600"/>
+            <a:ext cx="6400800" cy="402840"/>
+          </a:xfrm>
+          <a:prstGeom prst="rect">
+            <a:avLst/>
+          </a:prstGeom>
+          <a:noFill/>
+          <a:ln>
+            <a:noFill/>
+          </a:ln>
+        </p:spPr>
+        <p:txBody>
+          <a:bodyPr lIns="90000" rIns="90000" tIns="45000" bIns="45000">
+            <a:noAutofit/>
+          </a:bodyPr>
+          <a:p>
+            <a:pPr algn="ctr"/>
+            <a:r>
+              <a:rPr b="0" lang="it-IT" sz="2200" spc="-1" strike="noStrike">
+                <a:latin typeface="Arial"/>
+              </a:rPr>
+              <a:t>Vào làm bài thi</a:t>
+            </a:r>
+            <a:endParaRPr b="0" lang="it-IT" sz="2200" spc="-1" strike="noStrike">
+              <a:latin typeface="Arial"/>
+            </a:endParaRPr>
+          </a:p>
+        </p:txBody>
+      </p:sp>
+      <p:pic>
+        <p:nvPicPr>
+          <p:cNvPr id="214" name="" descr=""/>
+          <p:cNvPicPr/>
+          <p:nvPr/>
+        </p:nvPicPr>
+        <p:blipFill>
+          <a:blip r:embed="rId1"/>
+          <a:stretch/>
+        </p:blipFill>
+        <p:spPr>
+          <a:xfrm>
+            <a:off x="470520" y="1280160"/>
+            <a:ext cx="9186120" cy="4396320"/>
           </a:xfrm>
           <a:prstGeom prst="rect">
             <a:avLst/>
@@ -8300,6 +9071,357 @@
           </a:graphicData>
         </a:graphic>
       </p:graphicFrame>
+    </p:spTree>
+  </p:cSld>
+  <mc:AlternateContent>
+    <mc:Choice Requires="p14">
+      <p:transition spd="slow" p14:dur="2000"/>
+    </mc:Choice>
+    <mc:Fallback>
+      <p:transition spd="slow"/>
+    </mc:Fallback>
+  </mc:AlternateContent>
+</p:sld>
+</file>
+
+<file path=ppt/slides/slide20.xml><?xml version="1.0" encoding="utf-8"?>
+<p:sld xmlns:a="http://schemas.openxmlformats.org/drawingml/2006/main" xmlns:p="http://schemas.openxmlformats.org/presentationml/2006/main" xmlns:r="http://schemas.openxmlformats.org/officeDocument/2006/relationships" xmlns:p14="http://schemas.microsoft.com/office/powerpoint/2010/main" xmlns:p15="http://schemas.microsoft.com/office/powerpoint/2012/main" xmlns:mc="http://schemas.openxmlformats.org/markup-compatibility/2006">
+  <p:cSld>
+    <p:spTree>
+      <p:nvGrpSpPr>
+        <p:cNvPr id="1" name=""/>
+        <p:cNvGrpSpPr/>
+        <p:nvPr/>
+      </p:nvGrpSpPr>
+      <p:grpSpPr>
+        <a:xfrm>
+          <a:off x="0" y="0"/>
+          <a:ext cx="0" cy="0"/>
+          <a:chOff x="0" y="0"/>
+          <a:chExt cx="0" cy="0"/>
+        </a:xfrm>
+      </p:grpSpPr>
+      <p:sp>
+        <p:nvSpPr>
+          <p:cNvPr id="215" name="TextShape 1"/>
+          <p:cNvSpPr txBox="1"/>
+          <p:nvPr/>
+        </p:nvSpPr>
+        <p:spPr>
+          <a:xfrm>
+            <a:off x="504000" y="301320"/>
+            <a:ext cx="9071640" cy="922680"/>
+          </a:xfrm>
+          <a:prstGeom prst="rect">
+            <a:avLst/>
+          </a:prstGeom>
+          <a:noFill/>
+          <a:ln>
+            <a:noFill/>
+          </a:ln>
+        </p:spPr>
+        <p:txBody>
+          <a:bodyPr lIns="0" rIns="0" tIns="0" bIns="0" anchor="ctr">
+            <a:noAutofit/>
+          </a:bodyPr>
+          <a:p>
+            <a:pPr algn="ctr"/>
+            <a:r>
+              <a:rPr b="0" lang="it-IT" sz="4400" spc="-1" strike="noStrike">
+                <a:latin typeface="Arial"/>
+              </a:rPr>
+              <a:t>Một số hình ảnh</a:t>
+            </a:r>
+            <a:endParaRPr b="0" lang="it-IT" sz="4400" spc="-1" strike="noStrike">
+              <a:latin typeface="Arial"/>
+            </a:endParaRPr>
+          </a:p>
+        </p:txBody>
+      </p:sp>
+      <p:sp>
+        <p:nvSpPr>
+          <p:cNvPr id="216" name="TextShape 2"/>
+          <p:cNvSpPr txBox="1"/>
+          <p:nvPr/>
+        </p:nvSpPr>
+        <p:spPr>
+          <a:xfrm>
+            <a:off x="1828800" y="5871600"/>
+            <a:ext cx="6400800" cy="402840"/>
+          </a:xfrm>
+          <a:prstGeom prst="rect">
+            <a:avLst/>
+          </a:prstGeom>
+          <a:noFill/>
+          <a:ln>
+            <a:noFill/>
+          </a:ln>
+        </p:spPr>
+        <p:txBody>
+          <a:bodyPr lIns="90000" rIns="90000" tIns="45000" bIns="45000">
+            <a:noAutofit/>
+          </a:bodyPr>
+          <a:p>
+            <a:pPr algn="ctr"/>
+            <a:r>
+              <a:rPr b="0" lang="it-IT" sz="2200" spc="-1" strike="noStrike">
+                <a:latin typeface="Arial"/>
+              </a:rPr>
+              <a:t>Thông báo điểm sau khi nộp bài</a:t>
+            </a:r>
+            <a:endParaRPr b="0" lang="it-IT" sz="2200" spc="-1" strike="noStrike">
+              <a:latin typeface="Arial"/>
+            </a:endParaRPr>
+          </a:p>
+        </p:txBody>
+      </p:sp>
+      <p:pic>
+        <p:nvPicPr>
+          <p:cNvPr id="217" name="" descr=""/>
+          <p:cNvPicPr/>
+          <p:nvPr/>
+        </p:nvPicPr>
+        <p:blipFill>
+          <a:blip r:embed="rId1"/>
+          <a:stretch/>
+        </p:blipFill>
+        <p:spPr>
+          <a:xfrm>
+            <a:off x="440640" y="1335600"/>
+            <a:ext cx="9160560" cy="4389120"/>
+          </a:xfrm>
+          <a:prstGeom prst="rect">
+            <a:avLst/>
+          </a:prstGeom>
+          <a:ln>
+            <a:noFill/>
+          </a:ln>
+        </p:spPr>
+      </p:pic>
+    </p:spTree>
+  </p:cSld>
+  <mc:AlternateContent>
+    <mc:Choice Requires="p14">
+      <p:transition spd="slow" p14:dur="2000"/>
+    </mc:Choice>
+    <mc:Fallback>
+      <p:transition spd="slow"/>
+    </mc:Fallback>
+  </mc:AlternateContent>
+</p:sld>
+</file>
+
+<file path=ppt/slides/slide21.xml><?xml version="1.0" encoding="utf-8"?>
+<p:sld xmlns:a="http://schemas.openxmlformats.org/drawingml/2006/main" xmlns:p="http://schemas.openxmlformats.org/presentationml/2006/main" xmlns:r="http://schemas.openxmlformats.org/officeDocument/2006/relationships" xmlns:p14="http://schemas.microsoft.com/office/powerpoint/2010/main" xmlns:p15="http://schemas.microsoft.com/office/powerpoint/2012/main" xmlns:mc="http://schemas.openxmlformats.org/markup-compatibility/2006">
+  <p:cSld>
+    <p:spTree>
+      <p:nvGrpSpPr>
+        <p:cNvPr id="1" name=""/>
+        <p:cNvGrpSpPr/>
+        <p:nvPr/>
+      </p:nvGrpSpPr>
+      <p:grpSpPr>
+        <a:xfrm>
+          <a:off x="0" y="0"/>
+          <a:ext cx="0" cy="0"/>
+          <a:chOff x="0" y="0"/>
+          <a:chExt cx="0" cy="0"/>
+        </a:xfrm>
+      </p:grpSpPr>
+      <p:sp>
+        <p:nvSpPr>
+          <p:cNvPr id="218" name="TextShape 1"/>
+          <p:cNvSpPr txBox="1"/>
+          <p:nvPr/>
+        </p:nvSpPr>
+        <p:spPr>
+          <a:xfrm>
+            <a:off x="504000" y="301320"/>
+            <a:ext cx="9071640" cy="922680"/>
+          </a:xfrm>
+          <a:prstGeom prst="rect">
+            <a:avLst/>
+          </a:prstGeom>
+          <a:noFill/>
+          <a:ln>
+            <a:noFill/>
+          </a:ln>
+        </p:spPr>
+        <p:txBody>
+          <a:bodyPr lIns="0" rIns="0" tIns="0" bIns="0" anchor="ctr">
+            <a:noAutofit/>
+          </a:bodyPr>
+          <a:p>
+            <a:pPr algn="ctr"/>
+            <a:r>
+              <a:rPr b="0" lang="it-IT" sz="4400" spc="-1" strike="noStrike">
+                <a:latin typeface="Arial"/>
+              </a:rPr>
+              <a:t>Một số hình ảnh</a:t>
+            </a:r>
+            <a:endParaRPr b="0" lang="it-IT" sz="4400" spc="-1" strike="noStrike">
+              <a:latin typeface="Arial"/>
+            </a:endParaRPr>
+          </a:p>
+        </p:txBody>
+      </p:sp>
+      <p:sp>
+        <p:nvSpPr>
+          <p:cNvPr id="219" name="TextShape 2"/>
+          <p:cNvSpPr txBox="1"/>
+          <p:nvPr/>
+        </p:nvSpPr>
+        <p:spPr>
+          <a:xfrm>
+            <a:off x="1828800" y="5871600"/>
+            <a:ext cx="6400800" cy="402840"/>
+          </a:xfrm>
+          <a:prstGeom prst="rect">
+            <a:avLst/>
+          </a:prstGeom>
+          <a:noFill/>
+          <a:ln>
+            <a:noFill/>
+          </a:ln>
+        </p:spPr>
+        <p:txBody>
+          <a:bodyPr lIns="90000" rIns="90000" tIns="45000" bIns="45000">
+            <a:noAutofit/>
+          </a:bodyPr>
+          <a:p>
+            <a:pPr algn="ctr"/>
+            <a:r>
+              <a:rPr b="0" lang="it-IT" sz="2200" spc="-1" strike="noStrike">
+                <a:latin typeface="Arial"/>
+              </a:rPr>
+              <a:t>Giáo viên kiểm tra lịch sử làm bài của học sinh</a:t>
+            </a:r>
+            <a:endParaRPr b="0" lang="it-IT" sz="2200" spc="-1" strike="noStrike">
+              <a:latin typeface="Arial"/>
+            </a:endParaRPr>
+          </a:p>
+        </p:txBody>
+      </p:sp>
+      <p:pic>
+        <p:nvPicPr>
+          <p:cNvPr id="220" name="" descr=""/>
+          <p:cNvPicPr/>
+          <p:nvPr/>
+        </p:nvPicPr>
+        <p:blipFill>
+          <a:blip r:embed="rId1"/>
+          <a:stretch/>
+        </p:blipFill>
+        <p:spPr>
+          <a:xfrm>
+            <a:off x="487080" y="1331280"/>
+            <a:ext cx="9094680" cy="4357440"/>
+          </a:xfrm>
+          <a:prstGeom prst="rect">
+            <a:avLst/>
+          </a:prstGeom>
+          <a:ln>
+            <a:noFill/>
+          </a:ln>
+        </p:spPr>
+      </p:pic>
+    </p:spTree>
+  </p:cSld>
+  <mc:AlternateContent>
+    <mc:Choice Requires="p14">
+      <p:transition spd="slow" p14:dur="2000"/>
+    </mc:Choice>
+    <mc:Fallback>
+      <p:transition spd="slow"/>
+    </mc:Fallback>
+  </mc:AlternateContent>
+</p:sld>
+</file>
+
+<file path=ppt/slides/slide22.xml><?xml version="1.0" encoding="utf-8"?>
+<p:sld xmlns:a="http://schemas.openxmlformats.org/drawingml/2006/main" xmlns:p="http://schemas.openxmlformats.org/presentationml/2006/main" xmlns:r="http://schemas.openxmlformats.org/officeDocument/2006/relationships" xmlns:p14="http://schemas.microsoft.com/office/powerpoint/2010/main" xmlns:p15="http://schemas.microsoft.com/office/powerpoint/2012/main" xmlns:mc="http://schemas.openxmlformats.org/markup-compatibility/2006">
+  <p:cSld>
+    <p:spTree>
+      <p:nvGrpSpPr>
+        <p:cNvPr id="1" name=""/>
+        <p:cNvGrpSpPr/>
+        <p:nvPr/>
+      </p:nvGrpSpPr>
+      <p:grpSpPr>
+        <a:xfrm>
+          <a:off x="0" y="0"/>
+          <a:ext cx="0" cy="0"/>
+          <a:chOff x="0" y="0"/>
+          <a:chExt cx="0" cy="0"/>
+        </a:xfrm>
+      </p:grpSpPr>
+      <p:sp>
+        <p:nvSpPr>
+          <p:cNvPr id="221" name="TextShape 1"/>
+          <p:cNvSpPr txBox="1"/>
+          <p:nvPr/>
+        </p:nvSpPr>
+        <p:spPr>
+          <a:xfrm>
+            <a:off x="504000" y="301320"/>
+            <a:ext cx="9071640" cy="922680"/>
+          </a:xfrm>
+          <a:prstGeom prst="rect">
+            <a:avLst/>
+          </a:prstGeom>
+          <a:noFill/>
+          <a:ln>
+            <a:noFill/>
+          </a:ln>
+        </p:spPr>
+        <p:txBody>
+          <a:bodyPr lIns="0" rIns="0" tIns="0" bIns="0" anchor="ctr">
+            <a:noAutofit/>
+          </a:bodyPr>
+          <a:p>
+            <a:pPr algn="ctr"/>
+            <a:endParaRPr b="0" lang="it-IT" sz="4400" spc="-1" strike="noStrike">
+              <a:latin typeface="Arial"/>
+            </a:endParaRPr>
+          </a:p>
+        </p:txBody>
+      </p:sp>
+      <p:sp>
+        <p:nvSpPr>
+          <p:cNvPr id="222" name="TextShape 2"/>
+          <p:cNvSpPr txBox="1"/>
+          <p:nvPr/>
+        </p:nvSpPr>
+        <p:spPr>
+          <a:xfrm>
+            <a:off x="2124000" y="3510720"/>
+            <a:ext cx="5802840" cy="715320"/>
+          </a:xfrm>
+          <a:prstGeom prst="rect">
+            <a:avLst/>
+          </a:prstGeom>
+          <a:noFill/>
+          <a:ln>
+            <a:noFill/>
+          </a:ln>
+        </p:spPr>
+        <p:txBody>
+          <a:bodyPr lIns="90000" rIns="90000" tIns="45000" bIns="45000">
+            <a:noAutofit/>
+          </a:bodyPr>
+          <a:p>
+            <a:r>
+              <a:rPr b="1" lang="it-IT" sz="4400" spc="-1" strike="noStrike">
+                <a:latin typeface="Arial"/>
+              </a:rPr>
+              <a:t>KẾT THÚC BÁO CÁO</a:t>
+            </a:r>
+            <a:endParaRPr b="1" lang="it-IT" sz="4400" spc="-1" strike="noStrike">
+              <a:latin typeface="Arial"/>
+            </a:endParaRPr>
+          </a:p>
+        </p:txBody>
+      </p:sp>
     </p:spTree>
   </p:cSld>
   <mc:AlternateContent>
